--- a/spurs.pptx
+++ b/spurs.pptx
@@ -6,17 +6,14 @@
   </p:sldMasterIdLst>
   <p:sldIdLst>
     <p:sldId id="256" r:id="rId2"/>
-    <p:sldId id="266" r:id="rId3"/>
-    <p:sldId id="257" r:id="rId4"/>
-    <p:sldId id="258" r:id="rId5"/>
-    <p:sldId id="265" r:id="rId6"/>
-    <p:sldId id="259" r:id="rId7"/>
-    <p:sldId id="260" r:id="rId8"/>
-    <p:sldId id="261" r:id="rId9"/>
-    <p:sldId id="262" r:id="rId10"/>
-    <p:sldId id="263" r:id="rId11"/>
-    <p:sldId id="267" r:id="rId12"/>
-    <p:sldId id="264" r:id="rId13"/>
+    <p:sldId id="257" r:id="rId3"/>
+    <p:sldId id="258" r:id="rId4"/>
+    <p:sldId id="259" r:id="rId5"/>
+    <p:sldId id="260" r:id="rId6"/>
+    <p:sldId id="261" r:id="rId7"/>
+    <p:sldId id="262" r:id="rId8"/>
+    <p:sldId id="263" r:id="rId9"/>
+    <p:sldId id="264" r:id="rId10"/>
   </p:sldIdLst>
   <p:sldSz cx="12192000" cy="6858000"/>
   <p:notesSz cx="6858000" cy="9144000"/>
@@ -5885,14 +5882,6 @@
               </a:rPr>
               <a:t>網頁程式設計</a:t>
             </a:r>
-            <a:r>
-              <a:rPr lang="en-US" altLang="zh-TW" sz="3600" dirty="0">
-                <a:solidFill>
-                  <a:srgbClr val="080808"/>
-                </a:solidFill>
-              </a:rPr>
-              <a:t/>
-            </a:r>
             <a:br>
               <a:rPr lang="en-US" altLang="zh-TW" sz="3600" dirty="0">
                 <a:solidFill>
@@ -6002,1388 +5991,6 @@
     <p:extLst>
       <p:ext uri="{BB962C8B-B14F-4D97-AF65-F5344CB8AC3E}">
         <p14:creationId xmlns:p14="http://schemas.microsoft.com/office/powerpoint/2010/main" val="960211010"/>
-      </p:ext>
-    </p:extLst>
-  </p:cSld>
-  <p:clrMapOvr>
-    <a:masterClrMapping/>
-  </p:clrMapOvr>
-</p:sld>
-</file>
-
-<file path=ppt/slides/slide10.xml><?xml version="1.0" encoding="utf-8"?>
-<p:sld xmlns:a="http://schemas.openxmlformats.org/drawingml/2006/main" xmlns:r="http://schemas.openxmlformats.org/officeDocument/2006/relationships" xmlns:p="http://schemas.openxmlformats.org/presentationml/2006/main">
-  <p:cSld>
-    <p:spTree>
-      <p:nvGrpSpPr>
-        <p:cNvPr id="1" name=""/>
-        <p:cNvGrpSpPr/>
-        <p:nvPr/>
-      </p:nvGrpSpPr>
-      <p:grpSpPr>
-        <a:xfrm>
-          <a:off x="0" y="0"/>
-          <a:ext cx="0" cy="0"/>
-          <a:chOff x="0" y="0"/>
-          <a:chExt cx="0" cy="0"/>
-        </a:xfrm>
-      </p:grpSpPr>
-      <p:sp>
-        <p:nvSpPr>
-          <p:cNvPr id="2" name="標題 1">
-            <a:extLst>
-              <a:ext uri="{FF2B5EF4-FFF2-40B4-BE49-F238E27FC236}">
-                <a16:creationId xmlns:a16="http://schemas.microsoft.com/office/drawing/2014/main" id="{53391034-A962-45AF-809F-2D10C941D7A7}"/>
-              </a:ext>
-            </a:extLst>
-          </p:cNvPr>
-          <p:cNvSpPr>
-            <a:spLocks noGrp="1"/>
-          </p:cNvSpPr>
-          <p:nvPr>
-            <p:ph type="title"/>
-          </p:nvPr>
-        </p:nvSpPr>
-        <p:spPr/>
-        <p:txBody>
-          <a:bodyPr/>
-          <a:lstStyle/>
-          <a:p>
-            <a:r>
-              <a:rPr lang="en-US" altLang="zh-TW" dirty="0"/>
-              <a:t>CSS</a:t>
-            </a:r>
-            <a:r>
-              <a:rPr lang="zh-TW" altLang="en-US" dirty="0"/>
-              <a:t>的戰術動畫</a:t>
-            </a:r>
-          </a:p>
-        </p:txBody>
-      </p:sp>
-      <p:sp>
-        <p:nvSpPr>
-          <p:cNvPr id="3" name="內容版面配置區 2">
-            <a:extLst>
-              <a:ext uri="{FF2B5EF4-FFF2-40B4-BE49-F238E27FC236}">
-                <a16:creationId xmlns:a16="http://schemas.microsoft.com/office/drawing/2014/main" id="{B376EF35-04AC-45D2-9574-075112129E96}"/>
-              </a:ext>
-            </a:extLst>
-          </p:cNvPr>
-          <p:cNvSpPr>
-            <a:spLocks noGrp="1"/>
-          </p:cNvSpPr>
-          <p:nvPr>
-            <p:ph idx="1"/>
-          </p:nvPr>
-        </p:nvSpPr>
-        <p:spPr>
-          <a:xfrm>
-            <a:off x="677334" y="1255223"/>
-            <a:ext cx="8596668" cy="4786140"/>
-          </a:xfrm>
-        </p:spPr>
-        <p:txBody>
-          <a:bodyPr>
-            <a:normAutofit fontScale="70000" lnSpcReduction="20000"/>
-          </a:bodyPr>
-          <a:lstStyle/>
-          <a:p>
-            <a:r>
-              <a:rPr lang="zh-TW" altLang="en-US" dirty="0" smtClean="0">
-                <a:solidFill>
-                  <a:srgbClr val="9CDCFE"/>
-                </a:solidFill>
-                <a:latin typeface="Consolas" panose="020B0609020204030204" pitchFamily="49" charset="0"/>
-              </a:rPr>
-              <a:t>將座標分成</a:t>
-            </a:r>
-            <a:r>
-              <a:rPr lang="en-US" altLang="zh-TW" dirty="0" smtClean="0">
-                <a:solidFill>
-                  <a:srgbClr val="9CDCFE"/>
-                </a:solidFill>
-                <a:latin typeface="Consolas" panose="020B0609020204030204" pitchFamily="49" charset="0"/>
-              </a:rPr>
-              <a:t>x</a:t>
-            </a:r>
-            <a:r>
-              <a:rPr lang="zh-TW" altLang="en-US" dirty="0" smtClean="0">
-                <a:solidFill>
-                  <a:srgbClr val="9CDCFE"/>
-                </a:solidFill>
-                <a:latin typeface="Consolas" panose="020B0609020204030204" pitchFamily="49" charset="0"/>
-              </a:rPr>
-              <a:t>軸及</a:t>
-            </a:r>
-            <a:r>
-              <a:rPr lang="en-US" altLang="zh-TW" dirty="0" smtClean="0">
-                <a:solidFill>
-                  <a:srgbClr val="9CDCFE"/>
-                </a:solidFill>
-                <a:latin typeface="Consolas" panose="020B0609020204030204" pitchFamily="49" charset="0"/>
-              </a:rPr>
-              <a:t>y</a:t>
-            </a:r>
-            <a:r>
-              <a:rPr lang="zh-TW" altLang="en-US" dirty="0" smtClean="0">
-                <a:solidFill>
-                  <a:srgbClr val="9CDCFE"/>
-                </a:solidFill>
-                <a:latin typeface="Consolas" panose="020B0609020204030204" pitchFamily="49" charset="0"/>
-              </a:rPr>
-              <a:t>軸以達到斜線移動的效果</a:t>
-            </a:r>
-            <a:endParaRPr lang="en-US" altLang="zh-TW" dirty="0" smtClean="0">
-              <a:solidFill>
-                <a:srgbClr val="9CDCFE"/>
-              </a:solidFill>
-              <a:latin typeface="Consolas" panose="020B0609020204030204" pitchFamily="49" charset="0"/>
-            </a:endParaRPr>
-          </a:p>
-          <a:p>
-            <a:r>
-              <a:rPr lang="en-US" altLang="zh-TW" dirty="0" smtClean="0">
-                <a:solidFill>
-                  <a:srgbClr val="9CDCFE"/>
-                </a:solidFill>
-                <a:latin typeface="Consolas" panose="020B0609020204030204" pitchFamily="49" charset="0"/>
-              </a:rPr>
-              <a:t>animation-name</a:t>
-            </a:r>
-            <a:r>
-              <a:rPr lang="en-US" altLang="zh-TW" dirty="0">
-                <a:solidFill>
-                  <a:srgbClr val="D4D4D4"/>
-                </a:solidFill>
-                <a:latin typeface="Consolas" panose="020B0609020204030204" pitchFamily="49" charset="0"/>
-              </a:rPr>
-              <a:t>: rightMove1, bottomMove1;</a:t>
-            </a:r>
-          </a:p>
-          <a:p>
-            <a:r>
-              <a:rPr lang="en-US" altLang="zh-TW" dirty="0" smtClean="0">
-                <a:solidFill>
-                  <a:srgbClr val="C586C0"/>
-                </a:solidFill>
-                <a:latin typeface="Consolas" panose="020B0609020204030204" pitchFamily="49" charset="0"/>
-              </a:rPr>
-              <a:t>@</a:t>
-            </a:r>
-            <a:r>
-              <a:rPr lang="en-US" altLang="zh-TW" dirty="0" err="1">
-                <a:solidFill>
-                  <a:srgbClr val="C586C0"/>
-                </a:solidFill>
-                <a:latin typeface="Consolas" panose="020B0609020204030204" pitchFamily="49" charset="0"/>
-              </a:rPr>
-              <a:t>keyframes</a:t>
-            </a:r>
-            <a:r>
-              <a:rPr lang="en-US" altLang="zh-TW" dirty="0">
-                <a:solidFill>
-                  <a:srgbClr val="D4D4D4"/>
-                </a:solidFill>
-                <a:latin typeface="Consolas" panose="020B0609020204030204" pitchFamily="49" charset="0"/>
-              </a:rPr>
-              <a:t> </a:t>
-            </a:r>
-            <a:r>
-              <a:rPr lang="en-US" altLang="zh-TW" dirty="0">
-                <a:solidFill>
-                  <a:srgbClr val="9CDCFE"/>
-                </a:solidFill>
-                <a:latin typeface="Consolas" panose="020B0609020204030204" pitchFamily="49" charset="0"/>
-              </a:rPr>
-              <a:t>rightMove1</a:t>
-            </a:r>
-            <a:r>
-              <a:rPr lang="en-US" altLang="zh-TW" dirty="0">
-                <a:solidFill>
-                  <a:srgbClr val="D4D4D4"/>
-                </a:solidFill>
-                <a:latin typeface="Consolas" panose="020B0609020204030204" pitchFamily="49" charset="0"/>
-              </a:rPr>
-              <a:t>{</a:t>
-            </a:r>
-          </a:p>
-          <a:p>
-            <a:r>
-              <a:rPr lang="en-US" altLang="zh-TW" dirty="0">
-                <a:solidFill>
-                  <a:srgbClr val="D4D4D4"/>
-                </a:solidFill>
-                <a:latin typeface="Consolas" panose="020B0609020204030204" pitchFamily="49" charset="0"/>
-              </a:rPr>
-              <a:t>    20% </a:t>
-            </a:r>
-            <a:r>
-              <a:rPr lang="en-US" altLang="zh-TW" dirty="0" smtClean="0">
-                <a:solidFill>
-                  <a:srgbClr val="D4D4D4"/>
-                </a:solidFill>
-                <a:latin typeface="Consolas" panose="020B0609020204030204" pitchFamily="49" charset="0"/>
-              </a:rPr>
-              <a:t>{</a:t>
-            </a:r>
-            <a:r>
-              <a:rPr lang="en-US" altLang="zh-TW" dirty="0">
-                <a:solidFill>
-                  <a:srgbClr val="D4D4D4"/>
-                </a:solidFill>
-                <a:latin typeface="Consolas" panose="020B0609020204030204" pitchFamily="49" charset="0"/>
-              </a:rPr>
-              <a:t> </a:t>
-            </a:r>
-            <a:r>
-              <a:rPr lang="en-US" altLang="zh-TW" dirty="0">
-                <a:solidFill>
-                  <a:srgbClr val="9CDCFE"/>
-                </a:solidFill>
-                <a:latin typeface="Consolas" panose="020B0609020204030204" pitchFamily="49" charset="0"/>
-              </a:rPr>
-              <a:t>animation-timing-function</a:t>
-            </a:r>
-            <a:r>
-              <a:rPr lang="en-US" altLang="zh-TW" dirty="0">
-                <a:solidFill>
-                  <a:srgbClr val="D4D4D4"/>
-                </a:solidFill>
-                <a:latin typeface="Consolas" panose="020B0609020204030204" pitchFamily="49" charset="0"/>
-              </a:rPr>
-              <a:t>: </a:t>
-            </a:r>
-            <a:r>
-              <a:rPr lang="en-US" altLang="zh-TW" dirty="0">
-                <a:solidFill>
-                  <a:srgbClr val="CE9178"/>
-                </a:solidFill>
-                <a:latin typeface="Consolas" panose="020B0609020204030204" pitchFamily="49" charset="0"/>
-              </a:rPr>
-              <a:t>linear</a:t>
-            </a:r>
-            <a:r>
-              <a:rPr lang="en-US" altLang="zh-TW" dirty="0">
-                <a:solidFill>
-                  <a:srgbClr val="D4D4D4"/>
-                </a:solidFill>
-                <a:latin typeface="Consolas" panose="020B0609020204030204" pitchFamily="49" charset="0"/>
-              </a:rPr>
-              <a:t>;</a:t>
-            </a:r>
-          </a:p>
-          <a:p>
-            <a:r>
-              <a:rPr lang="en-US" altLang="zh-TW" dirty="0">
-                <a:solidFill>
-                  <a:srgbClr val="D4D4D4"/>
-                </a:solidFill>
-                <a:latin typeface="Consolas" panose="020B0609020204030204" pitchFamily="49" charset="0"/>
-              </a:rPr>
-              <a:t>        </a:t>
-            </a:r>
-            <a:r>
-              <a:rPr lang="en-US" altLang="zh-TW" dirty="0">
-                <a:solidFill>
-                  <a:srgbClr val="9CDCFE"/>
-                </a:solidFill>
-                <a:latin typeface="Consolas" panose="020B0609020204030204" pitchFamily="49" charset="0"/>
-              </a:rPr>
-              <a:t>left</a:t>
-            </a:r>
-            <a:r>
-              <a:rPr lang="en-US" altLang="zh-TW" dirty="0">
-                <a:solidFill>
-                  <a:srgbClr val="D4D4D4"/>
-                </a:solidFill>
-                <a:latin typeface="Consolas" panose="020B0609020204030204" pitchFamily="49" charset="0"/>
-              </a:rPr>
-              <a:t>: </a:t>
-            </a:r>
-            <a:r>
-              <a:rPr lang="en-US" altLang="zh-TW" dirty="0">
-                <a:solidFill>
-                  <a:srgbClr val="B5CEA8"/>
-                </a:solidFill>
-                <a:latin typeface="Consolas" panose="020B0609020204030204" pitchFamily="49" charset="0"/>
-              </a:rPr>
-              <a:t>210px</a:t>
-            </a:r>
-            <a:r>
-              <a:rPr lang="en-US" altLang="zh-TW" dirty="0" smtClean="0">
-                <a:solidFill>
-                  <a:srgbClr val="D4D4D4"/>
-                </a:solidFill>
-                <a:latin typeface="Consolas" panose="020B0609020204030204" pitchFamily="49" charset="0"/>
-              </a:rPr>
-              <a:t>;}</a:t>
-            </a:r>
-            <a:endParaRPr lang="en-US" altLang="zh-TW" dirty="0">
-              <a:solidFill>
-                <a:srgbClr val="D4D4D4"/>
-              </a:solidFill>
-              <a:latin typeface="Consolas" panose="020B0609020204030204" pitchFamily="49" charset="0"/>
-            </a:endParaRPr>
-          </a:p>
-          <a:p>
-            <a:r>
-              <a:rPr lang="en-US" altLang="zh-TW" dirty="0">
-                <a:solidFill>
-                  <a:srgbClr val="D4D4D4"/>
-                </a:solidFill>
-                <a:latin typeface="Consolas" panose="020B0609020204030204" pitchFamily="49" charset="0"/>
-              </a:rPr>
-              <a:t>    35% </a:t>
-            </a:r>
-            <a:r>
-              <a:rPr lang="en-US" altLang="zh-TW" dirty="0" smtClean="0">
-                <a:solidFill>
-                  <a:srgbClr val="D4D4D4"/>
-                </a:solidFill>
-                <a:latin typeface="Consolas" panose="020B0609020204030204" pitchFamily="49" charset="0"/>
-              </a:rPr>
-              <a:t>{</a:t>
-            </a:r>
-            <a:r>
-              <a:rPr lang="en-US" altLang="zh-TW" dirty="0">
-                <a:solidFill>
-                  <a:srgbClr val="D4D4D4"/>
-                </a:solidFill>
-                <a:latin typeface="Consolas" panose="020B0609020204030204" pitchFamily="49" charset="0"/>
-              </a:rPr>
-              <a:t> </a:t>
-            </a:r>
-            <a:r>
-              <a:rPr lang="en-US" altLang="zh-TW" dirty="0">
-                <a:solidFill>
-                  <a:srgbClr val="9CDCFE"/>
-                </a:solidFill>
-                <a:latin typeface="Consolas" panose="020B0609020204030204" pitchFamily="49" charset="0"/>
-              </a:rPr>
-              <a:t>animation-timing-function</a:t>
-            </a:r>
-            <a:r>
-              <a:rPr lang="en-US" altLang="zh-TW" dirty="0">
-                <a:solidFill>
-                  <a:srgbClr val="D4D4D4"/>
-                </a:solidFill>
-                <a:latin typeface="Consolas" panose="020B0609020204030204" pitchFamily="49" charset="0"/>
-              </a:rPr>
-              <a:t>: </a:t>
-            </a:r>
-            <a:r>
-              <a:rPr lang="en-US" altLang="zh-TW" dirty="0">
-                <a:solidFill>
-                  <a:srgbClr val="CE9178"/>
-                </a:solidFill>
-                <a:latin typeface="Consolas" panose="020B0609020204030204" pitchFamily="49" charset="0"/>
-              </a:rPr>
-              <a:t>linear</a:t>
-            </a:r>
-            <a:r>
-              <a:rPr lang="en-US" altLang="zh-TW" dirty="0">
-                <a:solidFill>
-                  <a:srgbClr val="D4D4D4"/>
-                </a:solidFill>
-                <a:latin typeface="Consolas" panose="020B0609020204030204" pitchFamily="49" charset="0"/>
-              </a:rPr>
-              <a:t>;</a:t>
-            </a:r>
-          </a:p>
-          <a:p>
-            <a:r>
-              <a:rPr lang="en-US" altLang="zh-TW" dirty="0">
-                <a:solidFill>
-                  <a:srgbClr val="D4D4D4"/>
-                </a:solidFill>
-                <a:latin typeface="Consolas" panose="020B0609020204030204" pitchFamily="49" charset="0"/>
-              </a:rPr>
-              <a:t>        </a:t>
-            </a:r>
-            <a:r>
-              <a:rPr lang="en-US" altLang="zh-TW" dirty="0">
-                <a:solidFill>
-                  <a:srgbClr val="9CDCFE"/>
-                </a:solidFill>
-                <a:latin typeface="Consolas" panose="020B0609020204030204" pitchFamily="49" charset="0"/>
-              </a:rPr>
-              <a:t>left</a:t>
-            </a:r>
-            <a:r>
-              <a:rPr lang="en-US" altLang="zh-TW" dirty="0">
-                <a:solidFill>
-                  <a:srgbClr val="D4D4D4"/>
-                </a:solidFill>
-                <a:latin typeface="Consolas" panose="020B0609020204030204" pitchFamily="49" charset="0"/>
-              </a:rPr>
-              <a:t>: </a:t>
-            </a:r>
-            <a:r>
-              <a:rPr lang="en-US" altLang="zh-TW" dirty="0" smtClean="0">
-                <a:solidFill>
-                  <a:srgbClr val="B5CEA8"/>
-                </a:solidFill>
-                <a:latin typeface="Consolas" panose="020B0609020204030204" pitchFamily="49" charset="0"/>
-              </a:rPr>
-              <a:t>460px</a:t>
-            </a:r>
-            <a:r>
-              <a:rPr lang="en-US" altLang="zh-TW" dirty="0" smtClean="0">
-                <a:solidFill>
-                  <a:srgbClr val="D4D4D4"/>
-                </a:solidFill>
-                <a:latin typeface="Consolas" panose="020B0609020204030204" pitchFamily="49" charset="0"/>
-              </a:rPr>
-              <a:t>}</a:t>
-            </a:r>
-            <a:endParaRPr lang="en-US" altLang="zh-TW" dirty="0">
-              <a:solidFill>
-                <a:srgbClr val="D4D4D4"/>
-              </a:solidFill>
-              <a:latin typeface="Consolas" panose="020B0609020204030204" pitchFamily="49" charset="0"/>
-            </a:endParaRPr>
-          </a:p>
-          <a:p>
-            <a:r>
-              <a:rPr lang="en-US" altLang="zh-TW" dirty="0">
-                <a:solidFill>
-                  <a:srgbClr val="D4D4D4"/>
-                </a:solidFill>
-                <a:latin typeface="Consolas" panose="020B0609020204030204" pitchFamily="49" charset="0"/>
-              </a:rPr>
-              <a:t>      100% </a:t>
-            </a:r>
-            <a:r>
-              <a:rPr lang="en-US" altLang="zh-TW" dirty="0" smtClean="0">
-                <a:solidFill>
-                  <a:srgbClr val="D4D4D4"/>
-                </a:solidFill>
-                <a:latin typeface="Consolas" panose="020B0609020204030204" pitchFamily="49" charset="0"/>
-              </a:rPr>
-              <a:t>{</a:t>
-            </a:r>
-            <a:r>
-              <a:rPr lang="en-US" altLang="zh-TW" dirty="0">
-                <a:solidFill>
-                  <a:srgbClr val="D4D4D4"/>
-                </a:solidFill>
-                <a:latin typeface="Consolas" panose="020B0609020204030204" pitchFamily="49" charset="0"/>
-              </a:rPr>
-              <a:t> </a:t>
-            </a:r>
-            <a:r>
-              <a:rPr lang="en-US" altLang="zh-TW" dirty="0">
-                <a:solidFill>
-                  <a:srgbClr val="9CDCFE"/>
-                </a:solidFill>
-                <a:latin typeface="Consolas" panose="020B0609020204030204" pitchFamily="49" charset="0"/>
-              </a:rPr>
-              <a:t>animation-timing-function</a:t>
-            </a:r>
-            <a:r>
-              <a:rPr lang="en-US" altLang="zh-TW" dirty="0">
-                <a:solidFill>
-                  <a:srgbClr val="D4D4D4"/>
-                </a:solidFill>
-                <a:latin typeface="Consolas" panose="020B0609020204030204" pitchFamily="49" charset="0"/>
-              </a:rPr>
-              <a:t>: </a:t>
-            </a:r>
-            <a:r>
-              <a:rPr lang="en-US" altLang="zh-TW" dirty="0">
-                <a:solidFill>
-                  <a:srgbClr val="CE9178"/>
-                </a:solidFill>
-                <a:latin typeface="Consolas" panose="020B0609020204030204" pitchFamily="49" charset="0"/>
-              </a:rPr>
-              <a:t>linear</a:t>
-            </a:r>
-            <a:r>
-              <a:rPr lang="en-US" altLang="zh-TW" dirty="0">
-                <a:solidFill>
-                  <a:srgbClr val="D4D4D4"/>
-                </a:solidFill>
-                <a:latin typeface="Consolas" panose="020B0609020204030204" pitchFamily="49" charset="0"/>
-              </a:rPr>
-              <a:t>;</a:t>
-            </a:r>
-          </a:p>
-          <a:p>
-            <a:r>
-              <a:rPr lang="en-US" altLang="zh-TW" dirty="0">
-                <a:solidFill>
-                  <a:srgbClr val="D4D4D4"/>
-                </a:solidFill>
-                <a:latin typeface="Consolas" panose="020B0609020204030204" pitchFamily="49" charset="0"/>
-              </a:rPr>
-              <a:t>        </a:t>
-            </a:r>
-            <a:r>
-              <a:rPr lang="en-US" altLang="zh-TW" dirty="0">
-                <a:solidFill>
-                  <a:srgbClr val="9CDCFE"/>
-                </a:solidFill>
-                <a:latin typeface="Consolas" panose="020B0609020204030204" pitchFamily="49" charset="0"/>
-              </a:rPr>
-              <a:t>left</a:t>
-            </a:r>
-            <a:r>
-              <a:rPr lang="en-US" altLang="zh-TW" dirty="0">
-                <a:solidFill>
-                  <a:srgbClr val="D4D4D4"/>
-                </a:solidFill>
-                <a:latin typeface="Consolas" panose="020B0609020204030204" pitchFamily="49" charset="0"/>
-              </a:rPr>
-              <a:t>: </a:t>
-            </a:r>
-            <a:r>
-              <a:rPr lang="en-US" altLang="zh-TW" dirty="0">
-                <a:solidFill>
-                  <a:srgbClr val="B5CEA8"/>
-                </a:solidFill>
-                <a:latin typeface="Consolas" panose="020B0609020204030204" pitchFamily="49" charset="0"/>
-              </a:rPr>
-              <a:t>460px</a:t>
-            </a:r>
-            <a:r>
-              <a:rPr lang="en-US" altLang="zh-TW" dirty="0" smtClean="0">
-                <a:solidFill>
-                  <a:srgbClr val="D4D4D4"/>
-                </a:solidFill>
-                <a:latin typeface="Consolas" panose="020B0609020204030204" pitchFamily="49" charset="0"/>
-              </a:rPr>
-              <a:t>;}</a:t>
-            </a:r>
-            <a:r>
-              <a:rPr lang="en-US" altLang="zh-TW" dirty="0">
-                <a:solidFill>
-                  <a:srgbClr val="D4D4D4"/>
-                </a:solidFill>
-                <a:latin typeface="Consolas" panose="020B0609020204030204" pitchFamily="49" charset="0"/>
-              </a:rPr>
-              <a:t> }</a:t>
-            </a:r>
-          </a:p>
-          <a:p>
-            <a:r>
-              <a:rPr lang="en-US" altLang="zh-TW" dirty="0">
-                <a:solidFill>
-                  <a:srgbClr val="D4D4D4"/>
-                </a:solidFill>
-                <a:latin typeface="Consolas" panose="020B0609020204030204" pitchFamily="49" charset="0"/>
-              </a:rPr>
-              <a:t/>
-            </a:r>
-            <a:br>
-              <a:rPr lang="en-US" altLang="zh-TW" dirty="0">
-                <a:solidFill>
-                  <a:srgbClr val="D4D4D4"/>
-                </a:solidFill>
-                <a:latin typeface="Consolas" panose="020B0609020204030204" pitchFamily="49" charset="0"/>
-              </a:rPr>
-            </a:br>
-            <a:r>
-              <a:rPr lang="en-US" altLang="zh-TW" dirty="0">
-                <a:solidFill>
-                  <a:srgbClr val="D4D4D4"/>
-                </a:solidFill>
-                <a:latin typeface="Consolas" panose="020B0609020204030204" pitchFamily="49" charset="0"/>
-              </a:rPr>
-              <a:t>  </a:t>
-            </a:r>
-            <a:r>
-              <a:rPr lang="en-US" altLang="zh-TW" dirty="0">
-                <a:solidFill>
-                  <a:srgbClr val="C586C0"/>
-                </a:solidFill>
-                <a:latin typeface="Consolas" panose="020B0609020204030204" pitchFamily="49" charset="0"/>
-              </a:rPr>
-              <a:t>@</a:t>
-            </a:r>
-            <a:r>
-              <a:rPr lang="en-US" altLang="zh-TW" dirty="0" err="1">
-                <a:solidFill>
-                  <a:srgbClr val="C586C0"/>
-                </a:solidFill>
-                <a:latin typeface="Consolas" panose="020B0609020204030204" pitchFamily="49" charset="0"/>
-              </a:rPr>
-              <a:t>keyframes</a:t>
-            </a:r>
-            <a:r>
-              <a:rPr lang="en-US" altLang="zh-TW" dirty="0">
-                <a:solidFill>
-                  <a:srgbClr val="D4D4D4"/>
-                </a:solidFill>
-                <a:latin typeface="Consolas" panose="020B0609020204030204" pitchFamily="49" charset="0"/>
-              </a:rPr>
-              <a:t> </a:t>
-            </a:r>
-            <a:r>
-              <a:rPr lang="en-US" altLang="zh-TW" dirty="0">
-                <a:solidFill>
-                  <a:srgbClr val="9CDCFE"/>
-                </a:solidFill>
-                <a:latin typeface="Consolas" panose="020B0609020204030204" pitchFamily="49" charset="0"/>
-              </a:rPr>
-              <a:t>bottomMove1</a:t>
-            </a:r>
-            <a:r>
-              <a:rPr lang="en-US" altLang="zh-TW" dirty="0">
-                <a:solidFill>
-                  <a:srgbClr val="D4D4D4"/>
-                </a:solidFill>
-                <a:latin typeface="Consolas" panose="020B0609020204030204" pitchFamily="49" charset="0"/>
-              </a:rPr>
-              <a:t>{</a:t>
-            </a:r>
-          </a:p>
-          <a:p>
-            <a:r>
-              <a:rPr lang="en-US" altLang="zh-TW" dirty="0">
-                <a:solidFill>
-                  <a:srgbClr val="D4D4D4"/>
-                </a:solidFill>
-                <a:latin typeface="Consolas" panose="020B0609020204030204" pitchFamily="49" charset="0"/>
-              </a:rPr>
-              <a:t>    20% </a:t>
-            </a:r>
-            <a:r>
-              <a:rPr lang="en-US" altLang="zh-TW" dirty="0" smtClean="0">
-                <a:solidFill>
-                  <a:srgbClr val="D4D4D4"/>
-                </a:solidFill>
-                <a:latin typeface="Consolas" panose="020B0609020204030204" pitchFamily="49" charset="0"/>
-              </a:rPr>
-              <a:t>{</a:t>
-            </a:r>
-            <a:r>
-              <a:rPr lang="en-US" altLang="zh-TW" dirty="0">
-                <a:solidFill>
-                  <a:srgbClr val="D4D4D4"/>
-                </a:solidFill>
-                <a:latin typeface="Consolas" panose="020B0609020204030204" pitchFamily="49" charset="0"/>
-              </a:rPr>
-              <a:t> </a:t>
-            </a:r>
-            <a:r>
-              <a:rPr lang="en-US" altLang="zh-TW" dirty="0">
-                <a:solidFill>
-                  <a:srgbClr val="9CDCFE"/>
-                </a:solidFill>
-                <a:latin typeface="Consolas" panose="020B0609020204030204" pitchFamily="49" charset="0"/>
-              </a:rPr>
-              <a:t>animation-timing-function</a:t>
-            </a:r>
-            <a:r>
-              <a:rPr lang="en-US" altLang="zh-TW" dirty="0">
-                <a:solidFill>
-                  <a:srgbClr val="D4D4D4"/>
-                </a:solidFill>
-                <a:latin typeface="Consolas" panose="020B0609020204030204" pitchFamily="49" charset="0"/>
-              </a:rPr>
-              <a:t>: </a:t>
-            </a:r>
-            <a:r>
-              <a:rPr lang="en-US" altLang="zh-TW" dirty="0">
-                <a:solidFill>
-                  <a:srgbClr val="CE9178"/>
-                </a:solidFill>
-                <a:latin typeface="Consolas" panose="020B0609020204030204" pitchFamily="49" charset="0"/>
-              </a:rPr>
-              <a:t>linear</a:t>
-            </a:r>
-            <a:r>
-              <a:rPr lang="en-US" altLang="zh-TW" dirty="0">
-                <a:solidFill>
-                  <a:srgbClr val="D4D4D4"/>
-                </a:solidFill>
-                <a:latin typeface="Consolas" panose="020B0609020204030204" pitchFamily="49" charset="0"/>
-              </a:rPr>
-              <a:t>;</a:t>
-            </a:r>
-          </a:p>
-          <a:p>
-            <a:r>
-              <a:rPr lang="en-US" altLang="zh-TW" dirty="0">
-                <a:solidFill>
-                  <a:srgbClr val="D4D4D4"/>
-                </a:solidFill>
-                <a:latin typeface="Consolas" panose="020B0609020204030204" pitchFamily="49" charset="0"/>
-              </a:rPr>
-              <a:t>        </a:t>
-            </a:r>
-            <a:r>
-              <a:rPr lang="en-US" altLang="zh-TW" dirty="0">
-                <a:solidFill>
-                  <a:srgbClr val="9CDCFE"/>
-                </a:solidFill>
-                <a:latin typeface="Consolas" panose="020B0609020204030204" pitchFamily="49" charset="0"/>
-              </a:rPr>
-              <a:t>top</a:t>
-            </a:r>
-            <a:r>
-              <a:rPr lang="en-US" altLang="zh-TW" dirty="0">
-                <a:solidFill>
-                  <a:srgbClr val="D4D4D4"/>
-                </a:solidFill>
-                <a:latin typeface="Consolas" panose="020B0609020204030204" pitchFamily="49" charset="0"/>
-              </a:rPr>
-              <a:t>: </a:t>
-            </a:r>
-            <a:r>
-              <a:rPr lang="en-US" altLang="zh-TW" dirty="0">
-                <a:solidFill>
-                  <a:srgbClr val="B5CEA8"/>
-                </a:solidFill>
-                <a:latin typeface="Consolas" panose="020B0609020204030204" pitchFamily="49" charset="0"/>
-              </a:rPr>
-              <a:t>270px</a:t>
-            </a:r>
-            <a:r>
-              <a:rPr lang="en-US" altLang="zh-TW" dirty="0" smtClean="0">
-                <a:solidFill>
-                  <a:srgbClr val="D4D4D4"/>
-                </a:solidFill>
-                <a:latin typeface="Consolas" panose="020B0609020204030204" pitchFamily="49" charset="0"/>
-              </a:rPr>
-              <a:t>;}</a:t>
-            </a:r>
-            <a:endParaRPr lang="en-US" altLang="zh-TW" dirty="0">
-              <a:solidFill>
-                <a:srgbClr val="D4D4D4"/>
-              </a:solidFill>
-              <a:latin typeface="Consolas" panose="020B0609020204030204" pitchFamily="49" charset="0"/>
-            </a:endParaRPr>
-          </a:p>
-          <a:p>
-            <a:r>
-              <a:rPr lang="en-US" altLang="zh-TW" dirty="0">
-                <a:solidFill>
-                  <a:srgbClr val="D4D4D4"/>
-                </a:solidFill>
-                <a:latin typeface="Consolas" panose="020B0609020204030204" pitchFamily="49" charset="0"/>
-              </a:rPr>
-              <a:t>    35% </a:t>
-            </a:r>
-            <a:r>
-              <a:rPr lang="en-US" altLang="zh-TW" dirty="0" smtClean="0">
-                <a:solidFill>
-                  <a:srgbClr val="D4D4D4"/>
-                </a:solidFill>
-                <a:latin typeface="Consolas" panose="020B0609020204030204" pitchFamily="49" charset="0"/>
-              </a:rPr>
-              <a:t>{</a:t>
-            </a:r>
-            <a:r>
-              <a:rPr lang="en-US" altLang="zh-TW" dirty="0" smtClean="0">
-                <a:solidFill>
-                  <a:srgbClr val="9CDCFE"/>
-                </a:solidFill>
-                <a:latin typeface="Consolas" panose="020B0609020204030204" pitchFamily="49" charset="0"/>
-              </a:rPr>
-              <a:t>animation-timing-function</a:t>
-            </a:r>
-            <a:r>
-              <a:rPr lang="en-US" altLang="zh-TW" dirty="0">
-                <a:solidFill>
-                  <a:srgbClr val="D4D4D4"/>
-                </a:solidFill>
-                <a:latin typeface="Consolas" panose="020B0609020204030204" pitchFamily="49" charset="0"/>
-              </a:rPr>
-              <a:t>: </a:t>
-            </a:r>
-            <a:r>
-              <a:rPr lang="en-US" altLang="zh-TW" dirty="0">
-                <a:solidFill>
-                  <a:srgbClr val="CE9178"/>
-                </a:solidFill>
-                <a:latin typeface="Consolas" panose="020B0609020204030204" pitchFamily="49" charset="0"/>
-              </a:rPr>
-              <a:t>linear</a:t>
-            </a:r>
-            <a:r>
-              <a:rPr lang="en-US" altLang="zh-TW" dirty="0">
-                <a:solidFill>
-                  <a:srgbClr val="D4D4D4"/>
-                </a:solidFill>
-                <a:latin typeface="Consolas" panose="020B0609020204030204" pitchFamily="49" charset="0"/>
-              </a:rPr>
-              <a:t>;</a:t>
-            </a:r>
-          </a:p>
-          <a:p>
-            <a:r>
-              <a:rPr lang="en-US" altLang="zh-TW" dirty="0">
-                <a:solidFill>
-                  <a:srgbClr val="D4D4D4"/>
-                </a:solidFill>
-                <a:latin typeface="Consolas" panose="020B0609020204030204" pitchFamily="49" charset="0"/>
-              </a:rPr>
-              <a:t>        </a:t>
-            </a:r>
-            <a:r>
-              <a:rPr lang="en-US" altLang="zh-TW" dirty="0">
-                <a:solidFill>
-                  <a:srgbClr val="9CDCFE"/>
-                </a:solidFill>
-                <a:latin typeface="Consolas" panose="020B0609020204030204" pitchFamily="49" charset="0"/>
-              </a:rPr>
-              <a:t>top</a:t>
-            </a:r>
-            <a:r>
-              <a:rPr lang="en-US" altLang="zh-TW" dirty="0">
-                <a:solidFill>
-                  <a:srgbClr val="D4D4D4"/>
-                </a:solidFill>
-                <a:latin typeface="Consolas" panose="020B0609020204030204" pitchFamily="49" charset="0"/>
-              </a:rPr>
-              <a:t>: </a:t>
-            </a:r>
-            <a:r>
-              <a:rPr lang="en-US" altLang="zh-TW" dirty="0">
-                <a:solidFill>
-                  <a:srgbClr val="B5CEA8"/>
-                </a:solidFill>
-                <a:latin typeface="Consolas" panose="020B0609020204030204" pitchFamily="49" charset="0"/>
-              </a:rPr>
-              <a:t>40px</a:t>
-            </a:r>
-            <a:r>
-              <a:rPr lang="en-US" altLang="zh-TW" dirty="0" smtClean="0">
-                <a:solidFill>
-                  <a:srgbClr val="D4D4D4"/>
-                </a:solidFill>
-                <a:latin typeface="Consolas" panose="020B0609020204030204" pitchFamily="49" charset="0"/>
-              </a:rPr>
-              <a:t>;}</a:t>
-            </a:r>
-            <a:endParaRPr lang="en-US" altLang="zh-TW" dirty="0">
-              <a:solidFill>
-                <a:srgbClr val="D4D4D4"/>
-              </a:solidFill>
-              <a:latin typeface="Consolas" panose="020B0609020204030204" pitchFamily="49" charset="0"/>
-            </a:endParaRPr>
-          </a:p>
-          <a:p>
-            <a:r>
-              <a:rPr lang="en-US" altLang="zh-TW" dirty="0">
-                <a:solidFill>
-                  <a:srgbClr val="D4D4D4"/>
-                </a:solidFill>
-                <a:latin typeface="Consolas" panose="020B0609020204030204" pitchFamily="49" charset="0"/>
-              </a:rPr>
-              <a:t>      100% </a:t>
-            </a:r>
-            <a:r>
-              <a:rPr lang="en-US" altLang="zh-TW" dirty="0" smtClean="0">
-                <a:solidFill>
-                  <a:srgbClr val="D4D4D4"/>
-                </a:solidFill>
-                <a:latin typeface="Consolas" panose="020B0609020204030204" pitchFamily="49" charset="0"/>
-              </a:rPr>
-              <a:t>{</a:t>
-            </a:r>
-            <a:r>
-              <a:rPr lang="en-US" altLang="zh-TW" dirty="0" smtClean="0">
-                <a:solidFill>
-                  <a:srgbClr val="9CDCFE"/>
-                </a:solidFill>
-                <a:latin typeface="Consolas" panose="020B0609020204030204" pitchFamily="49" charset="0"/>
-              </a:rPr>
-              <a:t>animation-timing-function</a:t>
-            </a:r>
-            <a:r>
-              <a:rPr lang="en-US" altLang="zh-TW" dirty="0">
-                <a:solidFill>
-                  <a:srgbClr val="D4D4D4"/>
-                </a:solidFill>
-                <a:latin typeface="Consolas" panose="020B0609020204030204" pitchFamily="49" charset="0"/>
-              </a:rPr>
-              <a:t>: </a:t>
-            </a:r>
-            <a:r>
-              <a:rPr lang="en-US" altLang="zh-TW" dirty="0">
-                <a:solidFill>
-                  <a:srgbClr val="CE9178"/>
-                </a:solidFill>
-                <a:latin typeface="Consolas" panose="020B0609020204030204" pitchFamily="49" charset="0"/>
-              </a:rPr>
-              <a:t>linear</a:t>
-            </a:r>
-            <a:r>
-              <a:rPr lang="en-US" altLang="zh-TW" dirty="0">
-                <a:solidFill>
-                  <a:srgbClr val="D4D4D4"/>
-                </a:solidFill>
-                <a:latin typeface="Consolas" panose="020B0609020204030204" pitchFamily="49" charset="0"/>
-              </a:rPr>
-              <a:t>;</a:t>
-            </a:r>
-          </a:p>
-          <a:p>
-            <a:r>
-              <a:rPr lang="en-US" altLang="zh-TW" dirty="0">
-                <a:solidFill>
-                  <a:srgbClr val="D4D4D4"/>
-                </a:solidFill>
-                <a:latin typeface="Consolas" panose="020B0609020204030204" pitchFamily="49" charset="0"/>
-              </a:rPr>
-              <a:t>        </a:t>
-            </a:r>
-            <a:r>
-              <a:rPr lang="en-US" altLang="zh-TW" dirty="0">
-                <a:solidFill>
-                  <a:srgbClr val="9CDCFE"/>
-                </a:solidFill>
-                <a:latin typeface="Consolas" panose="020B0609020204030204" pitchFamily="49" charset="0"/>
-              </a:rPr>
-              <a:t>top</a:t>
-            </a:r>
-            <a:r>
-              <a:rPr lang="en-US" altLang="zh-TW" dirty="0">
-                <a:solidFill>
-                  <a:srgbClr val="D4D4D4"/>
-                </a:solidFill>
-                <a:latin typeface="Consolas" panose="020B0609020204030204" pitchFamily="49" charset="0"/>
-              </a:rPr>
-              <a:t>: </a:t>
-            </a:r>
-            <a:r>
-              <a:rPr lang="en-US" altLang="zh-TW" dirty="0">
-                <a:solidFill>
-                  <a:srgbClr val="B5CEA8"/>
-                </a:solidFill>
-                <a:latin typeface="Consolas" panose="020B0609020204030204" pitchFamily="49" charset="0"/>
-              </a:rPr>
-              <a:t>40px</a:t>
-            </a:r>
-            <a:r>
-              <a:rPr lang="en-US" altLang="zh-TW" dirty="0" smtClean="0">
-                <a:solidFill>
-                  <a:srgbClr val="D4D4D4"/>
-                </a:solidFill>
-                <a:latin typeface="Consolas" panose="020B0609020204030204" pitchFamily="49" charset="0"/>
-              </a:rPr>
-              <a:t>;}</a:t>
-            </a:r>
-            <a:endParaRPr lang="en-US" altLang="zh-TW" dirty="0">
-              <a:solidFill>
-                <a:srgbClr val="D4D4D4"/>
-              </a:solidFill>
-              <a:latin typeface="Consolas" panose="020B0609020204030204" pitchFamily="49" charset="0"/>
-            </a:endParaRPr>
-          </a:p>
-        </p:txBody>
-      </p:sp>
-    </p:spTree>
-    <p:extLst>
-      <p:ext uri="{BB962C8B-B14F-4D97-AF65-F5344CB8AC3E}">
-        <p14:creationId xmlns:p14="http://schemas.microsoft.com/office/powerpoint/2010/main" val="3634047473"/>
-      </p:ext>
-    </p:extLst>
-  </p:cSld>
-  <p:clrMapOvr>
-    <a:masterClrMapping/>
-  </p:clrMapOvr>
-</p:sld>
-</file>
-
-<file path=ppt/slides/slide11.xml><?xml version="1.0" encoding="utf-8"?>
-<p:sld xmlns:a="http://schemas.openxmlformats.org/drawingml/2006/main" xmlns:r="http://schemas.openxmlformats.org/officeDocument/2006/relationships" xmlns:p="http://schemas.openxmlformats.org/presentationml/2006/main">
-  <p:cSld>
-    <p:spTree>
-      <p:nvGrpSpPr>
-        <p:cNvPr id="1" name=""/>
-        <p:cNvGrpSpPr/>
-        <p:nvPr/>
-      </p:nvGrpSpPr>
-      <p:grpSpPr>
-        <a:xfrm>
-          <a:off x="0" y="0"/>
-          <a:ext cx="0" cy="0"/>
-          <a:chOff x="0" y="0"/>
-          <a:chExt cx="0" cy="0"/>
-        </a:xfrm>
-      </p:grpSpPr>
-      <p:sp>
-        <p:nvSpPr>
-          <p:cNvPr id="2" name="標題 1"/>
-          <p:cNvSpPr>
-            <a:spLocks noGrp="1"/>
-          </p:cNvSpPr>
-          <p:nvPr>
-            <p:ph type="title"/>
-          </p:nvPr>
-        </p:nvSpPr>
-        <p:spPr/>
-        <p:txBody>
-          <a:bodyPr/>
-          <a:lstStyle/>
-          <a:p>
-            <a:r>
-              <a:rPr lang="zh-TW" altLang="en-US" dirty="0" smtClean="0"/>
-              <a:t>分工</a:t>
-            </a:r>
-            <a:endParaRPr lang="zh-TW" altLang="en-US" dirty="0"/>
-          </a:p>
-        </p:txBody>
-      </p:sp>
-      <p:graphicFrame>
-        <p:nvGraphicFramePr>
-          <p:cNvPr id="6" name="內容版面配置區 5"/>
-          <p:cNvGraphicFramePr>
-            <a:graphicFrameLocks noGrp="1"/>
-          </p:cNvGraphicFramePr>
-          <p:nvPr>
-            <p:ph idx="1"/>
-            <p:extLst>
-              <p:ext uri="{D42A27DB-BD31-4B8C-83A1-F6EECF244321}">
-                <p14:modId xmlns:p14="http://schemas.microsoft.com/office/powerpoint/2010/main" val="1308178804"/>
-              </p:ext>
-            </p:extLst>
-          </p:nvPr>
-        </p:nvGraphicFramePr>
-        <p:xfrm>
-          <a:off x="677863" y="2160588"/>
-          <a:ext cx="8596312" cy="2382520"/>
-        </p:xfrm>
-        <a:graphic>
-          <a:graphicData uri="http://schemas.openxmlformats.org/drawingml/2006/table">
-            <a:tbl>
-              <a:tblPr firstRow="1" bandRow="1">
-                <a:tableStyleId>{5C22544A-7EE6-4342-B048-85BDC9FD1C3A}</a:tableStyleId>
-              </a:tblPr>
-              <a:tblGrid>
-                <a:gridCol w="4298156">
-                  <a:extLst>
-                    <a:ext uri="{9D8B030D-6E8A-4147-A177-3AD203B41FA5}">
-                      <a16:colId xmlns:a16="http://schemas.microsoft.com/office/drawing/2014/main" val="1734387492"/>
-                    </a:ext>
-                  </a:extLst>
-                </a:gridCol>
-                <a:gridCol w="4298156">
-                  <a:extLst>
-                    <a:ext uri="{9D8B030D-6E8A-4147-A177-3AD203B41FA5}">
-                      <a16:colId xmlns:a16="http://schemas.microsoft.com/office/drawing/2014/main" val="3082058215"/>
-                    </a:ext>
-                  </a:extLst>
-                </a:gridCol>
-              </a:tblGrid>
-              <a:tr h="370840">
-                <a:tc>
-                  <a:txBody>
-                    <a:bodyPr/>
-                    <a:lstStyle/>
-                    <a:p>
-                      <a:r>
-                        <a:rPr lang="en-US" altLang="zh-TW" dirty="0" smtClean="0"/>
-                        <a:t>00557015</a:t>
-                      </a:r>
-                      <a:r>
-                        <a:rPr lang="zh-TW" altLang="en-US" dirty="0" smtClean="0"/>
-                        <a:t> 黃柏滔</a:t>
-                      </a:r>
-                      <a:endParaRPr lang="zh-TW" altLang="en-US" dirty="0"/>
-                    </a:p>
-                  </a:txBody>
-                  <a:tcPr/>
-                </a:tc>
-                <a:tc>
-                  <a:txBody>
-                    <a:bodyPr/>
-                    <a:lstStyle/>
-                    <a:p>
-                      <a:r>
-                        <a:rPr lang="en-US" altLang="zh-TW" dirty="0" smtClean="0"/>
-                        <a:t>00557021</a:t>
-                      </a:r>
-                      <a:r>
-                        <a:rPr lang="zh-TW" altLang="en-US" dirty="0" smtClean="0"/>
-                        <a:t> 謝非諭</a:t>
-                      </a:r>
-                      <a:endParaRPr lang="zh-TW" altLang="en-US" dirty="0"/>
-                    </a:p>
-                  </a:txBody>
-                  <a:tcPr/>
-                </a:tc>
-                <a:extLst>
-                  <a:ext uri="{0D108BD9-81ED-4DB2-BD59-A6C34878D82A}">
-                    <a16:rowId xmlns:a16="http://schemas.microsoft.com/office/drawing/2014/main" val="346268956"/>
-                  </a:ext>
-                </a:extLst>
-              </a:tr>
-              <a:tr h="370840">
-                <a:tc>
-                  <a:txBody>
-                    <a:bodyPr/>
-                    <a:lstStyle/>
-                    <a:p>
-                      <a:r>
-                        <a:rPr lang="zh-TW" altLang="en-US" dirty="0" smtClean="0"/>
-                        <a:t>開頭頁面及動畫</a:t>
-                      </a:r>
-                      <a:endParaRPr lang="en-US" altLang="zh-TW" dirty="0" smtClean="0"/>
-                    </a:p>
-                    <a:p>
-                      <a:r>
-                        <a:rPr lang="zh-TW" altLang="en-US" dirty="0" smtClean="0"/>
-                        <a:t>介紹</a:t>
-                      </a:r>
-                      <a:r>
-                        <a:rPr lang="en-US" altLang="zh-TW" dirty="0" smtClean="0"/>
-                        <a:t>,</a:t>
-                      </a:r>
-                      <a:r>
-                        <a:rPr lang="zh-TW" altLang="en-US" dirty="0" smtClean="0"/>
-                        <a:t>歷史頁面</a:t>
-                      </a:r>
-                      <a:endParaRPr lang="en-US" altLang="zh-TW" dirty="0" smtClean="0"/>
-                    </a:p>
-                    <a:p>
-                      <a:r>
-                        <a:rPr lang="en-US" altLang="zh-TW" dirty="0" smtClean="0"/>
-                        <a:t>Fetch</a:t>
-                      </a:r>
-                      <a:r>
-                        <a:rPr lang="zh-TW" altLang="en-US" dirty="0" smtClean="0"/>
-                        <a:t>功能</a:t>
-                      </a:r>
-                      <a:endParaRPr lang="en-US" altLang="zh-TW" dirty="0" smtClean="0"/>
-                    </a:p>
-                    <a:p>
-                      <a:r>
-                        <a:rPr lang="zh-TW" altLang="en-US" dirty="0" smtClean="0"/>
-                        <a:t>教練頁面</a:t>
-                      </a:r>
-                      <a:endParaRPr lang="en-US" altLang="zh-TW" dirty="0" smtClean="0"/>
-                    </a:p>
-                    <a:p>
-                      <a:r>
-                        <a:rPr lang="zh-TW" altLang="en-US" dirty="0" smtClean="0"/>
-                        <a:t>連結</a:t>
-                      </a:r>
-                      <a:r>
-                        <a:rPr lang="en-US" altLang="zh-TW" dirty="0" err="1" smtClean="0"/>
-                        <a:t>youtube</a:t>
-                      </a:r>
-                      <a:endParaRPr lang="en-US" altLang="zh-TW" dirty="0" smtClean="0"/>
-                    </a:p>
-                    <a:p>
-                      <a:r>
-                        <a:rPr lang="en-US" altLang="zh-TW" dirty="0" err="1" smtClean="0"/>
-                        <a:t>ppt</a:t>
-                      </a:r>
-                      <a:r>
-                        <a:rPr lang="zh-TW" altLang="en-US" dirty="0" smtClean="0"/>
-                        <a:t>文件</a:t>
-                      </a:r>
-                      <a:endParaRPr lang="zh-TW" altLang="en-US" dirty="0"/>
-                    </a:p>
-                  </a:txBody>
-                  <a:tcPr/>
-                </a:tc>
-                <a:tc>
-                  <a:txBody>
-                    <a:bodyPr/>
-                    <a:lstStyle/>
-                    <a:p>
-                      <a:r>
-                        <a:rPr lang="zh-TW" altLang="en-US" dirty="0" smtClean="0"/>
-                        <a:t>構想主題</a:t>
-                      </a:r>
-                      <a:endParaRPr lang="en-US" altLang="zh-TW" dirty="0" smtClean="0"/>
-                    </a:p>
-                    <a:p>
-                      <a:r>
-                        <a:rPr lang="zh-TW" altLang="en-US" dirty="0" smtClean="0"/>
-                        <a:t>戰術頁面</a:t>
-                      </a:r>
-                      <a:endParaRPr lang="en-US" altLang="zh-TW" dirty="0" smtClean="0"/>
-                    </a:p>
-                    <a:p>
-                      <a:r>
-                        <a:rPr lang="en-US" altLang="zh-TW" dirty="0" err="1" smtClean="0"/>
-                        <a:t>css</a:t>
-                      </a:r>
-                      <a:r>
-                        <a:rPr lang="zh-TW" altLang="en-US" dirty="0" smtClean="0"/>
-                        <a:t>設計及動畫</a:t>
-                      </a:r>
-                      <a:endParaRPr lang="en-US" altLang="zh-TW" dirty="0" smtClean="0"/>
-                    </a:p>
-                    <a:p>
-                      <a:r>
-                        <a:rPr lang="zh-TW" altLang="en-US" dirty="0" smtClean="0"/>
-                        <a:t>介紹頁面</a:t>
-                      </a:r>
-                      <a:endParaRPr lang="en-US" altLang="zh-TW" dirty="0" smtClean="0"/>
-                    </a:p>
-                    <a:p>
-                      <a:r>
-                        <a:rPr lang="zh-TW" altLang="en-US" dirty="0" smtClean="0"/>
-                        <a:t>測試系統功能</a:t>
-                      </a:r>
-                      <a:endParaRPr lang="en-US" altLang="zh-TW" dirty="0" smtClean="0"/>
-                    </a:p>
-                    <a:p>
-                      <a:r>
-                        <a:rPr lang="en-US" altLang="zh-TW" dirty="0" err="1" smtClean="0"/>
-                        <a:t>ppt</a:t>
-                      </a:r>
-                      <a:r>
-                        <a:rPr lang="zh-TW" altLang="en-US" dirty="0" smtClean="0"/>
-                        <a:t>文件</a:t>
-                      </a:r>
-                      <a:endParaRPr lang="en-US" altLang="zh-TW" dirty="0" smtClean="0"/>
-                    </a:p>
-                    <a:p>
-                      <a:endParaRPr lang="zh-TW" altLang="en-US" dirty="0"/>
-                    </a:p>
-                  </a:txBody>
-                  <a:tcPr/>
-                </a:tc>
-                <a:extLst>
-                  <a:ext uri="{0D108BD9-81ED-4DB2-BD59-A6C34878D82A}">
-                    <a16:rowId xmlns:a16="http://schemas.microsoft.com/office/drawing/2014/main" val="3420998844"/>
-                  </a:ext>
-                </a:extLst>
-              </a:tr>
-            </a:tbl>
-          </a:graphicData>
-        </a:graphic>
-      </p:graphicFrame>
-    </p:spTree>
-    <p:extLst>
-      <p:ext uri="{BB962C8B-B14F-4D97-AF65-F5344CB8AC3E}">
-        <p14:creationId xmlns:p14="http://schemas.microsoft.com/office/powerpoint/2010/main" val="3598098470"/>
-      </p:ext>
-    </p:extLst>
-  </p:cSld>
-  <p:clrMapOvr>
-    <a:masterClrMapping/>
-  </p:clrMapOvr>
-</p:sld>
-</file>
-
-<file path=ppt/slides/slide12.xml><?xml version="1.0" encoding="utf-8"?>
-<p:sld xmlns:a="http://schemas.openxmlformats.org/drawingml/2006/main" xmlns:r="http://schemas.openxmlformats.org/officeDocument/2006/relationships" xmlns:p="http://schemas.openxmlformats.org/presentationml/2006/main">
-  <p:cSld>
-    <p:spTree>
-      <p:nvGrpSpPr>
-        <p:cNvPr id="1" name=""/>
-        <p:cNvGrpSpPr/>
-        <p:nvPr/>
-      </p:nvGrpSpPr>
-      <p:grpSpPr>
-        <a:xfrm>
-          <a:off x="0" y="0"/>
-          <a:ext cx="0" cy="0"/>
-          <a:chOff x="0" y="0"/>
-          <a:chExt cx="0" cy="0"/>
-        </a:xfrm>
-      </p:grpSpPr>
-      <p:sp>
-        <p:nvSpPr>
-          <p:cNvPr id="2" name="標題 1">
-            <a:extLst>
-              <a:ext uri="{FF2B5EF4-FFF2-40B4-BE49-F238E27FC236}">
-                <a16:creationId xmlns:a16="http://schemas.microsoft.com/office/drawing/2014/main" id="{96C2085A-094B-4C1C-BF82-8C77D9805D2C}"/>
-              </a:ext>
-            </a:extLst>
-          </p:cNvPr>
-          <p:cNvSpPr>
-            <a:spLocks noGrp="1"/>
-          </p:cNvSpPr>
-          <p:nvPr>
-            <p:ph type="title"/>
-          </p:nvPr>
-        </p:nvSpPr>
-        <p:spPr/>
-        <p:txBody>
-          <a:bodyPr/>
-          <a:lstStyle/>
-          <a:p>
-            <a:r>
-              <a:rPr lang="zh-TW" altLang="en-US" dirty="0"/>
-              <a:t>參考資料</a:t>
-            </a:r>
-          </a:p>
-        </p:txBody>
-      </p:sp>
-      <p:sp>
-        <p:nvSpPr>
-          <p:cNvPr id="3" name="內容版面配置區 2">
-            <a:extLst>
-              <a:ext uri="{FF2B5EF4-FFF2-40B4-BE49-F238E27FC236}">
-                <a16:creationId xmlns:a16="http://schemas.microsoft.com/office/drawing/2014/main" id="{91E1CB90-1C75-4E95-8E3F-4BE729AC1A3A}"/>
-              </a:ext>
-            </a:extLst>
-          </p:cNvPr>
-          <p:cNvSpPr>
-            <a:spLocks noGrp="1"/>
-          </p:cNvSpPr>
-          <p:nvPr>
-            <p:ph idx="1"/>
-          </p:nvPr>
-        </p:nvSpPr>
-        <p:spPr/>
-        <p:txBody>
-          <a:bodyPr/>
-          <a:lstStyle/>
-          <a:p>
-            <a:r>
-              <a:rPr lang="en-US" altLang="zh-TW" dirty="0"/>
-              <a:t>WIKI:</a:t>
-            </a:r>
-          </a:p>
-          <a:p>
-            <a:pPr marL="0" indent="0">
-              <a:buNone/>
-            </a:pPr>
-            <a:r>
-              <a:rPr lang="en-US" altLang="zh-TW" dirty="0">
-                <a:hlinkClick r:id="rId2"/>
-              </a:rPr>
-              <a:t>https://zh.wikipedia.org/wiki/%E5%9C%A3%E5%AE%89%E4%B8%9C%E5%B0%BC%E5%A5%A5%E9%A9%AC%E5%88%BA</a:t>
-            </a:r>
-            <a:endParaRPr lang="en-US" altLang="zh-TW" dirty="0"/>
-          </a:p>
-          <a:p>
-            <a:pPr marL="0" indent="0">
-              <a:buNone/>
-            </a:pPr>
-            <a:endParaRPr lang="en-US" altLang="zh-TW" dirty="0"/>
-          </a:p>
-          <a:p>
-            <a:r>
-              <a:rPr lang="en-US" altLang="zh-TW" dirty="0"/>
-              <a:t>W3school:</a:t>
-            </a:r>
-          </a:p>
-          <a:p>
-            <a:pPr marL="0" indent="0">
-              <a:buNone/>
-            </a:pPr>
-            <a:r>
-              <a:rPr lang="en-US" altLang="zh-TW">
-                <a:hlinkClick r:id="rId3"/>
-              </a:rPr>
-              <a:t>https://www.w3schools.com</a:t>
-            </a:r>
-            <a:endParaRPr lang="en-US" altLang="zh-TW"/>
-          </a:p>
-          <a:p>
-            <a:pPr marL="0" indent="0">
-              <a:buNone/>
-            </a:pPr>
-            <a:endParaRPr lang="zh-TW" altLang="en-US" dirty="0"/>
-          </a:p>
-        </p:txBody>
-      </p:sp>
-    </p:spTree>
-    <p:extLst>
-      <p:ext uri="{BB962C8B-B14F-4D97-AF65-F5344CB8AC3E}">
-        <p14:creationId xmlns:p14="http://schemas.microsoft.com/office/powerpoint/2010/main" val="48176965"/>
       </p:ext>
     </p:extLst>
   </p:cSld>
@@ -7412,165 +6019,6 @@
       </p:grpSpPr>
       <p:sp>
         <p:nvSpPr>
-          <p:cNvPr id="2" name="標題 1"/>
-          <p:cNvSpPr>
-            <a:spLocks noGrp="1"/>
-          </p:cNvSpPr>
-          <p:nvPr>
-            <p:ph type="title"/>
-          </p:nvPr>
-        </p:nvSpPr>
-        <p:spPr/>
-        <p:txBody>
-          <a:bodyPr/>
-          <a:lstStyle/>
-          <a:p>
-            <a:r>
-              <a:rPr lang="zh-TW" altLang="en-US" dirty="0" smtClean="0"/>
-              <a:t>創作動機</a:t>
-            </a:r>
-            <a:r>
-              <a:rPr lang="en-US" altLang="zh-TW" dirty="0" smtClean="0"/>
-              <a:t>:</a:t>
-            </a:r>
-            <a:endParaRPr lang="zh-TW" altLang="en-US" dirty="0"/>
-          </a:p>
-        </p:txBody>
-      </p:sp>
-      <p:sp>
-        <p:nvSpPr>
-          <p:cNvPr id="3" name="內容版面配置區 2"/>
-          <p:cNvSpPr>
-            <a:spLocks noGrp="1"/>
-          </p:cNvSpPr>
-          <p:nvPr>
-            <p:ph idx="1"/>
-          </p:nvPr>
-        </p:nvSpPr>
-        <p:spPr>
-          <a:xfrm>
-            <a:off x="677334" y="1820487"/>
-            <a:ext cx="8075968" cy="4220875"/>
-          </a:xfrm>
-        </p:spPr>
-        <p:txBody>
-          <a:bodyPr>
-            <a:normAutofit/>
-          </a:bodyPr>
-          <a:lstStyle/>
-          <a:p>
-            <a:r>
-              <a:rPr lang="zh-TW" altLang="en-US" sz="2600" dirty="0" smtClean="0"/>
-              <a:t>我們從小就是</a:t>
-            </a:r>
-            <a:r>
-              <a:rPr lang="en-US" altLang="zh-TW" sz="2600" dirty="0" err="1" smtClean="0"/>
-              <a:t>nba</a:t>
-            </a:r>
-            <a:r>
-              <a:rPr lang="zh-TW" altLang="en-US" sz="2600" dirty="0" smtClean="0"/>
-              <a:t>聖安東尼奧馬刺隊的球迷</a:t>
-            </a:r>
-            <a:r>
-              <a:rPr lang="en-US" altLang="zh-TW" sz="2600" dirty="0" smtClean="0"/>
-              <a:t>,</a:t>
-            </a:r>
-            <a:r>
-              <a:rPr lang="zh-TW" altLang="en-US" sz="2600" dirty="0" smtClean="0"/>
-              <a:t>而且以前馬刺隊在台灣並不受歡迎</a:t>
-            </a:r>
-            <a:r>
-              <a:rPr lang="en-US" altLang="zh-TW" sz="2600" dirty="0" smtClean="0"/>
-              <a:t>,</a:t>
-            </a:r>
-            <a:r>
-              <a:rPr lang="zh-TW" altLang="en-US" sz="2600" dirty="0" smtClean="0"/>
-              <a:t>不</a:t>
-            </a:r>
-            <a:r>
-              <a:rPr lang="zh-TW" altLang="en-US" sz="2600" dirty="0"/>
-              <a:t>過</a:t>
-            </a:r>
-            <a:r>
-              <a:rPr lang="zh-TW" altLang="en-US" sz="2600" dirty="0" smtClean="0"/>
-              <a:t>自從</a:t>
-            </a:r>
-            <a:r>
-              <a:rPr lang="en-US" altLang="zh-TW" sz="2600" dirty="0" smtClean="0"/>
-              <a:t>2014</a:t>
-            </a:r>
-            <a:r>
-              <a:rPr lang="zh-TW" altLang="en-US" sz="2600" dirty="0" smtClean="0"/>
-              <a:t>年擊敗詹姆斯率領的邁阿密熱火隊後突然變成大家支持的對象</a:t>
-            </a:r>
-            <a:r>
-              <a:rPr lang="en-US" altLang="zh-TW" sz="2600" dirty="0" smtClean="0"/>
-              <a:t>,</a:t>
-            </a:r>
-            <a:r>
-              <a:rPr lang="zh-TW" altLang="en-US" sz="2600" dirty="0" smtClean="0"/>
-              <a:t>也從那時候開始遇到很多自稱馬刺迷的人</a:t>
-            </a:r>
-            <a:r>
-              <a:rPr lang="en-US" altLang="zh-TW" sz="2600" dirty="0" smtClean="0"/>
-              <a:t>,</a:t>
-            </a:r>
-            <a:r>
-              <a:rPr lang="zh-TW" altLang="en-US" sz="2600" dirty="0" smtClean="0"/>
-              <a:t>但每次隨便問這些刺迷關於馬刺的歷史或經典球星總是一問三不知</a:t>
-            </a:r>
-            <a:r>
-              <a:rPr lang="en-US" altLang="zh-TW" sz="2600" dirty="0" smtClean="0"/>
-              <a:t>,</a:t>
-            </a:r>
-            <a:r>
-              <a:rPr lang="zh-TW" altLang="en-US" sz="2600" dirty="0" smtClean="0"/>
-              <a:t>也就是所謂的跟風迷</a:t>
-            </a:r>
-            <a:r>
-              <a:rPr lang="en-US" altLang="zh-TW" sz="2600" dirty="0" smtClean="0"/>
-              <a:t>,</a:t>
-            </a:r>
-            <a:r>
-              <a:rPr lang="zh-TW" altLang="en-US" sz="2600" dirty="0" smtClean="0"/>
-              <a:t>因此我們決定製作一個關於馬刺隊的網站來幫助這些後來才開始支持的球迷更加認識馬刺這支球隊</a:t>
-            </a:r>
-            <a:endParaRPr lang="zh-TW" altLang="en-US" sz="2600" dirty="0"/>
-          </a:p>
-        </p:txBody>
-      </p:sp>
-    </p:spTree>
-    <p:extLst>
-      <p:ext uri="{BB962C8B-B14F-4D97-AF65-F5344CB8AC3E}">
-        <p14:creationId xmlns:p14="http://schemas.microsoft.com/office/powerpoint/2010/main" val="471708715"/>
-      </p:ext>
-    </p:extLst>
-  </p:cSld>
-  <p:clrMapOvr>
-    <a:masterClrMapping/>
-  </p:clrMapOvr>
-</p:sld>
-</file>
-
-<file path=ppt/slides/slide3.xml><?xml version="1.0" encoding="utf-8"?>
-<p:sld xmlns:a="http://schemas.openxmlformats.org/drawingml/2006/main" xmlns:r="http://schemas.openxmlformats.org/officeDocument/2006/relationships" xmlns:p="http://schemas.openxmlformats.org/presentationml/2006/main">
-  <p:cSld>
-    <p:spTree>
-      <p:nvGrpSpPr>
-        <p:cNvPr id="1" name=""/>
-        <p:cNvGrpSpPr/>
-        <p:nvPr/>
-      </p:nvGrpSpPr>
-      <p:grpSpPr>
-        <a:xfrm>
-          <a:off x="0" y="0"/>
-          <a:ext cx="0" cy="0"/>
-          <a:chOff x="0" y="0"/>
-          <a:chExt cx="0" cy="0"/>
-        </a:xfrm>
-      </p:grpSpPr>
-      <p:sp>
-        <p:nvSpPr>
           <p:cNvPr id="2" name="標題 1">
             <a:extLst>
               <a:ext uri="{FF2B5EF4-FFF2-40B4-BE49-F238E27FC236}">
@@ -7765,7 +6213,7 @@
 </p:sld>
 </file>
 
-<file path=ppt/slides/slide4.xml><?xml version="1.0" encoding="utf-8"?>
+<file path=ppt/slides/slide3.xml><?xml version="1.0" encoding="utf-8"?>
 <p:sld xmlns:a="http://schemas.openxmlformats.org/drawingml/2006/main" xmlns:r="http://schemas.openxmlformats.org/officeDocument/2006/relationships" xmlns:p="http://schemas.openxmlformats.org/presentationml/2006/main">
   <p:cSld>
     <p:spTree>
@@ -7858,6 +6306,451 @@
 </p:sld>
 </file>
 
+<file path=ppt/slides/slide4.xml><?xml version="1.0" encoding="utf-8"?>
+<p:sld xmlns:a="http://schemas.openxmlformats.org/drawingml/2006/main" xmlns:r="http://schemas.openxmlformats.org/officeDocument/2006/relationships" xmlns:p="http://schemas.openxmlformats.org/presentationml/2006/main">
+  <p:cSld>
+    <p:spTree>
+      <p:nvGrpSpPr>
+        <p:cNvPr id="1" name=""/>
+        <p:cNvGrpSpPr/>
+        <p:nvPr/>
+      </p:nvGrpSpPr>
+      <p:grpSpPr>
+        <a:xfrm>
+          <a:off x="0" y="0"/>
+          <a:ext cx="0" cy="0"/>
+          <a:chOff x="0" y="0"/>
+          <a:chExt cx="0" cy="0"/>
+        </a:xfrm>
+      </p:grpSpPr>
+      <p:sp>
+        <p:nvSpPr>
+          <p:cNvPr id="2" name="標題 1">
+            <a:extLst>
+              <a:ext uri="{FF2B5EF4-FFF2-40B4-BE49-F238E27FC236}">
+                <a16:creationId xmlns:a16="http://schemas.microsoft.com/office/drawing/2014/main" id="{A7CD8B6D-6EA8-47AF-9D04-07CB62790CD9}"/>
+              </a:ext>
+            </a:extLst>
+          </p:cNvPr>
+          <p:cNvSpPr>
+            <a:spLocks noGrp="1"/>
+          </p:cNvSpPr>
+          <p:nvPr>
+            <p:ph type="title"/>
+          </p:nvPr>
+        </p:nvSpPr>
+        <p:spPr/>
+        <p:txBody>
+          <a:bodyPr/>
+          <a:lstStyle/>
+          <a:p>
+            <a:r>
+              <a:rPr lang="en-US" altLang="zh-TW" dirty="0" err="1"/>
+              <a:t>Youtube</a:t>
+            </a:r>
+            <a:endParaRPr lang="zh-TW" altLang="en-US" dirty="0"/>
+          </a:p>
+        </p:txBody>
+      </p:sp>
+      <p:sp>
+        <p:nvSpPr>
+          <p:cNvPr id="3" name="內容版面配置區 2">
+            <a:extLst>
+              <a:ext uri="{FF2B5EF4-FFF2-40B4-BE49-F238E27FC236}">
+                <a16:creationId xmlns:a16="http://schemas.microsoft.com/office/drawing/2014/main" id="{3BB25E80-0945-4839-B9A6-AAEA722DE376}"/>
+              </a:ext>
+            </a:extLst>
+          </p:cNvPr>
+          <p:cNvSpPr>
+            <a:spLocks noGrp="1"/>
+          </p:cNvSpPr>
+          <p:nvPr>
+            <p:ph idx="1"/>
+          </p:nvPr>
+        </p:nvSpPr>
+        <p:spPr/>
+        <p:txBody>
+          <a:bodyPr/>
+          <a:lstStyle/>
+          <a:p>
+            <a:r>
+              <a:rPr lang="zh-TW" altLang="en-US" dirty="0">
+                <a:solidFill>
+                  <a:srgbClr val="808080"/>
+                </a:solidFill>
+                <a:latin typeface="Consolas" panose="020B0609020204030204" pitchFamily="49" charset="0"/>
+              </a:rPr>
+              <a:t>使用</a:t>
+            </a:r>
+            <a:r>
+              <a:rPr lang="en-US" altLang="zh-TW" dirty="0" err="1">
+                <a:solidFill>
+                  <a:srgbClr val="808080"/>
+                </a:solidFill>
+                <a:latin typeface="Consolas" panose="020B0609020204030204" pitchFamily="49" charset="0"/>
+              </a:rPr>
+              <a:t>youtube</a:t>
+            </a:r>
+            <a:r>
+              <a:rPr lang="zh-TW" altLang="en-US" dirty="0">
+                <a:solidFill>
+                  <a:srgbClr val="808080"/>
+                </a:solidFill>
+                <a:latin typeface="Consolas" panose="020B0609020204030204" pitchFamily="49" charset="0"/>
+              </a:rPr>
+              <a:t>的分享功能將影片嵌入我們的</a:t>
+            </a:r>
+            <a:r>
+              <a:rPr lang="en-US" altLang="zh-TW" dirty="0">
+                <a:solidFill>
+                  <a:srgbClr val="808080"/>
+                </a:solidFill>
+                <a:latin typeface="Consolas" panose="020B0609020204030204" pitchFamily="49" charset="0"/>
+              </a:rPr>
+              <a:t>html</a:t>
+            </a:r>
+            <a:r>
+              <a:rPr lang="zh-TW" altLang="en-US" dirty="0">
+                <a:solidFill>
+                  <a:srgbClr val="808080"/>
+                </a:solidFill>
+                <a:latin typeface="Consolas" panose="020B0609020204030204" pitchFamily="49" charset="0"/>
+              </a:rPr>
+              <a:t>裡</a:t>
+            </a:r>
+            <a:endParaRPr lang="en-US" altLang="zh-TW" b="0" dirty="0">
+              <a:solidFill>
+                <a:srgbClr val="808080"/>
+              </a:solidFill>
+              <a:effectLst/>
+              <a:latin typeface="Consolas" panose="020B0609020204030204" pitchFamily="49" charset="0"/>
+            </a:endParaRPr>
+          </a:p>
+          <a:p>
+            <a:endParaRPr lang="en-US" altLang="zh-TW" dirty="0">
+              <a:solidFill>
+                <a:srgbClr val="808080"/>
+              </a:solidFill>
+              <a:latin typeface="Consolas" panose="020B0609020204030204" pitchFamily="49" charset="0"/>
+            </a:endParaRPr>
+          </a:p>
+          <a:p>
+            <a:r>
+              <a:rPr lang="en-US" altLang="zh-TW" b="0" dirty="0">
+                <a:solidFill>
+                  <a:srgbClr val="808080"/>
+                </a:solidFill>
+                <a:effectLst/>
+                <a:latin typeface="Consolas" panose="020B0609020204030204" pitchFamily="49" charset="0"/>
+              </a:rPr>
+              <a:t>&lt;</a:t>
+            </a:r>
+            <a:r>
+              <a:rPr lang="en-US" altLang="zh-TW" b="0" dirty="0">
+                <a:solidFill>
+                  <a:srgbClr val="569CD6"/>
+                </a:solidFill>
+                <a:effectLst/>
+                <a:latin typeface="Consolas" panose="020B0609020204030204" pitchFamily="49" charset="0"/>
+              </a:rPr>
+              <a:t>iframe</a:t>
+            </a:r>
+            <a:r>
+              <a:rPr lang="en-US" altLang="zh-TW" b="0" dirty="0">
+                <a:solidFill>
+                  <a:srgbClr val="D4D4D4"/>
+                </a:solidFill>
+                <a:effectLst/>
+                <a:latin typeface="Consolas" panose="020B0609020204030204" pitchFamily="49" charset="0"/>
+              </a:rPr>
+              <a:t> </a:t>
+            </a:r>
+            <a:r>
+              <a:rPr lang="en-US" altLang="zh-TW" b="0" dirty="0">
+                <a:solidFill>
+                  <a:srgbClr val="9CDCFE"/>
+                </a:solidFill>
+                <a:effectLst/>
+                <a:latin typeface="Consolas" panose="020B0609020204030204" pitchFamily="49" charset="0"/>
+              </a:rPr>
+              <a:t>width</a:t>
+            </a:r>
+            <a:r>
+              <a:rPr lang="en-US" altLang="zh-TW" b="0" dirty="0">
+                <a:solidFill>
+                  <a:srgbClr val="D4D4D4"/>
+                </a:solidFill>
+                <a:effectLst/>
+                <a:latin typeface="Consolas" panose="020B0609020204030204" pitchFamily="49" charset="0"/>
+              </a:rPr>
+              <a:t>=</a:t>
+            </a:r>
+            <a:r>
+              <a:rPr lang="en-US" altLang="zh-TW" b="0" dirty="0">
+                <a:solidFill>
+                  <a:srgbClr val="CE9178"/>
+                </a:solidFill>
+                <a:effectLst/>
+                <a:latin typeface="Consolas" panose="020B0609020204030204" pitchFamily="49" charset="0"/>
+              </a:rPr>
+              <a:t>"600"</a:t>
+            </a:r>
+            <a:r>
+              <a:rPr lang="en-US" altLang="zh-TW" b="0" dirty="0">
+                <a:solidFill>
+                  <a:srgbClr val="D4D4D4"/>
+                </a:solidFill>
+                <a:effectLst/>
+                <a:latin typeface="Consolas" panose="020B0609020204030204" pitchFamily="49" charset="0"/>
+              </a:rPr>
+              <a:t> </a:t>
+            </a:r>
+            <a:r>
+              <a:rPr lang="en-US" altLang="zh-TW" b="0" dirty="0">
+                <a:solidFill>
+                  <a:srgbClr val="9CDCFE"/>
+                </a:solidFill>
+                <a:effectLst/>
+                <a:latin typeface="Consolas" panose="020B0609020204030204" pitchFamily="49" charset="0"/>
+              </a:rPr>
+              <a:t>height</a:t>
+            </a:r>
+            <a:r>
+              <a:rPr lang="en-US" altLang="zh-TW" b="0" dirty="0">
+                <a:solidFill>
+                  <a:srgbClr val="D4D4D4"/>
+                </a:solidFill>
+                <a:effectLst/>
+                <a:latin typeface="Consolas" panose="020B0609020204030204" pitchFamily="49" charset="0"/>
+              </a:rPr>
+              <a:t>=</a:t>
+            </a:r>
+            <a:r>
+              <a:rPr lang="en-US" altLang="zh-TW" b="0" dirty="0">
+                <a:solidFill>
+                  <a:srgbClr val="CE9178"/>
+                </a:solidFill>
+                <a:effectLst/>
+                <a:latin typeface="Consolas" panose="020B0609020204030204" pitchFamily="49" charset="0"/>
+              </a:rPr>
+              <a:t>"315"</a:t>
+            </a:r>
+            <a:r>
+              <a:rPr lang="en-US" altLang="zh-TW" b="0" dirty="0">
+                <a:solidFill>
+                  <a:srgbClr val="D4D4D4"/>
+                </a:solidFill>
+                <a:effectLst/>
+                <a:latin typeface="Consolas" panose="020B0609020204030204" pitchFamily="49" charset="0"/>
+              </a:rPr>
+              <a:t> </a:t>
+            </a:r>
+            <a:r>
+              <a:rPr lang="en-US" altLang="zh-TW" b="0" dirty="0" err="1">
+                <a:solidFill>
+                  <a:srgbClr val="9CDCFE"/>
+                </a:solidFill>
+                <a:effectLst/>
+                <a:latin typeface="Consolas" panose="020B0609020204030204" pitchFamily="49" charset="0"/>
+              </a:rPr>
+              <a:t>src</a:t>
+            </a:r>
+            <a:r>
+              <a:rPr lang="en-US" altLang="zh-TW" b="0" dirty="0">
+                <a:solidFill>
+                  <a:srgbClr val="D4D4D4"/>
+                </a:solidFill>
+                <a:effectLst/>
+                <a:latin typeface="Consolas" panose="020B0609020204030204" pitchFamily="49" charset="0"/>
+              </a:rPr>
+              <a:t>=</a:t>
+            </a:r>
+            <a:r>
+              <a:rPr lang="en-US" altLang="zh-TW" b="0" dirty="0">
+                <a:solidFill>
+                  <a:srgbClr val="CE9178"/>
+                </a:solidFill>
+                <a:effectLst/>
+                <a:latin typeface="Consolas" panose="020B0609020204030204" pitchFamily="49" charset="0"/>
+              </a:rPr>
+              <a:t>"https://www.youtube.com/embed/HRy4xYZdSQ0"</a:t>
+            </a:r>
+            <a:r>
+              <a:rPr lang="en-US" altLang="zh-TW" b="0" dirty="0">
+                <a:solidFill>
+                  <a:srgbClr val="D4D4D4"/>
+                </a:solidFill>
+                <a:effectLst/>
+                <a:latin typeface="Consolas" panose="020B0609020204030204" pitchFamily="49" charset="0"/>
+              </a:rPr>
+              <a:t> </a:t>
+            </a:r>
+            <a:r>
+              <a:rPr lang="en-US" altLang="zh-TW" b="0" dirty="0">
+                <a:solidFill>
+                  <a:srgbClr val="9CDCFE"/>
+                </a:solidFill>
+                <a:effectLst/>
+                <a:latin typeface="Consolas" panose="020B0609020204030204" pitchFamily="49" charset="0"/>
+              </a:rPr>
+              <a:t>frameborder</a:t>
+            </a:r>
+            <a:r>
+              <a:rPr lang="en-US" altLang="zh-TW" b="0" dirty="0">
+                <a:solidFill>
+                  <a:srgbClr val="D4D4D4"/>
+                </a:solidFill>
+                <a:effectLst/>
+                <a:latin typeface="Consolas" panose="020B0609020204030204" pitchFamily="49" charset="0"/>
+              </a:rPr>
+              <a:t>=</a:t>
+            </a:r>
+            <a:r>
+              <a:rPr lang="en-US" altLang="zh-TW" b="0" dirty="0">
+                <a:solidFill>
+                  <a:srgbClr val="CE9178"/>
+                </a:solidFill>
+                <a:effectLst/>
+                <a:latin typeface="Consolas" panose="020B0609020204030204" pitchFamily="49" charset="0"/>
+              </a:rPr>
+              <a:t>"0"</a:t>
+            </a:r>
+            <a:r>
+              <a:rPr lang="en-US" altLang="zh-TW" b="0" dirty="0">
+                <a:solidFill>
+                  <a:srgbClr val="D4D4D4"/>
+                </a:solidFill>
+                <a:effectLst/>
+                <a:latin typeface="Consolas" panose="020B0609020204030204" pitchFamily="49" charset="0"/>
+              </a:rPr>
+              <a:t> </a:t>
+            </a:r>
+            <a:r>
+              <a:rPr lang="en-US" altLang="zh-TW" b="0" dirty="0">
+                <a:solidFill>
+                  <a:srgbClr val="9CDCFE"/>
+                </a:solidFill>
+                <a:effectLst/>
+                <a:latin typeface="Consolas" panose="020B0609020204030204" pitchFamily="49" charset="0"/>
+              </a:rPr>
+              <a:t>allow</a:t>
+            </a:r>
+            <a:r>
+              <a:rPr lang="en-US" altLang="zh-TW" b="0" dirty="0">
+                <a:solidFill>
+                  <a:srgbClr val="D4D4D4"/>
+                </a:solidFill>
+                <a:effectLst/>
+                <a:latin typeface="Consolas" panose="020B0609020204030204" pitchFamily="49" charset="0"/>
+              </a:rPr>
+              <a:t>=</a:t>
+            </a:r>
+            <a:r>
+              <a:rPr lang="en-US" altLang="zh-TW" b="0" dirty="0">
+                <a:solidFill>
+                  <a:srgbClr val="CE9178"/>
+                </a:solidFill>
+                <a:effectLst/>
+                <a:latin typeface="Consolas" panose="020B0609020204030204" pitchFamily="49" charset="0"/>
+              </a:rPr>
+              <a:t>"accelerometer; </a:t>
+            </a:r>
+            <a:r>
+              <a:rPr lang="en-US" altLang="zh-TW" b="0" dirty="0" err="1">
+                <a:solidFill>
+                  <a:srgbClr val="CE9178"/>
+                </a:solidFill>
+                <a:effectLst/>
+                <a:latin typeface="Consolas" panose="020B0609020204030204" pitchFamily="49" charset="0"/>
+              </a:rPr>
+              <a:t>autoplay</a:t>
+            </a:r>
+            <a:r>
+              <a:rPr lang="en-US" altLang="zh-TW" b="0" dirty="0">
+                <a:solidFill>
+                  <a:srgbClr val="CE9178"/>
+                </a:solidFill>
+                <a:effectLst/>
+                <a:latin typeface="Consolas" panose="020B0609020204030204" pitchFamily="49" charset="0"/>
+              </a:rPr>
+              <a:t>; clipboard-write; encrypted-media; gyroscope; picture-in-picture"</a:t>
+            </a:r>
+            <a:r>
+              <a:rPr lang="en-US" altLang="zh-TW" b="0" dirty="0">
+                <a:solidFill>
+                  <a:srgbClr val="D4D4D4"/>
+                </a:solidFill>
+                <a:effectLst/>
+                <a:latin typeface="Consolas" panose="020B0609020204030204" pitchFamily="49" charset="0"/>
+              </a:rPr>
+              <a:t> </a:t>
+            </a:r>
+            <a:r>
+              <a:rPr lang="en-US" altLang="zh-TW" b="0" dirty="0" err="1">
+                <a:solidFill>
+                  <a:srgbClr val="9CDCFE"/>
+                </a:solidFill>
+                <a:effectLst/>
+                <a:latin typeface="Consolas" panose="020B0609020204030204" pitchFamily="49" charset="0"/>
+              </a:rPr>
+              <a:t>allowfullscreen</a:t>
+            </a:r>
+            <a:r>
+              <a:rPr lang="en-US" altLang="zh-TW" b="0" dirty="0">
+                <a:solidFill>
+                  <a:srgbClr val="808080"/>
+                </a:solidFill>
+                <a:effectLst/>
+                <a:latin typeface="Consolas" panose="020B0609020204030204" pitchFamily="49" charset="0"/>
+              </a:rPr>
+              <a:t>&gt;&lt;/</a:t>
+            </a:r>
+            <a:r>
+              <a:rPr lang="en-US" altLang="zh-TW" b="0" dirty="0">
+                <a:solidFill>
+                  <a:srgbClr val="569CD6"/>
+                </a:solidFill>
+                <a:effectLst/>
+                <a:latin typeface="Consolas" panose="020B0609020204030204" pitchFamily="49" charset="0"/>
+              </a:rPr>
+              <a:t>iframe</a:t>
+            </a:r>
+            <a:r>
+              <a:rPr lang="en-US" altLang="zh-TW" b="0" dirty="0">
+                <a:solidFill>
+                  <a:srgbClr val="808080"/>
+                </a:solidFill>
+                <a:effectLst/>
+                <a:latin typeface="Consolas" panose="020B0609020204030204" pitchFamily="49" charset="0"/>
+              </a:rPr>
+              <a:t>&gt;</a:t>
+            </a:r>
+            <a:endParaRPr lang="en-US" altLang="zh-TW" b="0" dirty="0">
+              <a:solidFill>
+                <a:srgbClr val="D4D4D4"/>
+              </a:solidFill>
+              <a:effectLst/>
+              <a:latin typeface="Consolas" panose="020B0609020204030204" pitchFamily="49" charset="0"/>
+            </a:endParaRPr>
+          </a:p>
+          <a:p>
+            <a:endParaRPr lang="zh-TW" altLang="en-US" dirty="0"/>
+          </a:p>
+        </p:txBody>
+      </p:sp>
+    </p:spTree>
+    <p:extLst>
+      <p:ext uri="{BB962C8B-B14F-4D97-AF65-F5344CB8AC3E}">
+        <p14:creationId xmlns:p14="http://schemas.microsoft.com/office/powerpoint/2010/main" val="12921381"/>
+      </p:ext>
+    </p:extLst>
+  </p:cSld>
+  <p:clrMapOvr>
+    <a:masterClrMapping/>
+  </p:clrMapOvr>
+</p:sld>
+</file>
+
 <file path=ppt/slides/slide5.xml><?xml version="1.0" encoding="utf-8"?>
 <p:sld xmlns:a="http://schemas.openxmlformats.org/drawingml/2006/main" xmlns:r="http://schemas.openxmlformats.org/officeDocument/2006/relationships" xmlns:p="http://schemas.openxmlformats.org/presentationml/2006/main">
   <p:cSld>
@@ -7877,7 +6770,13 @@
       </p:grpSpPr>
       <p:sp>
         <p:nvSpPr>
-          <p:cNvPr id="2" name="標題 1"/>
+          <p:cNvPr id="2" name="標題 1">
+            <a:extLst>
+              <a:ext uri="{FF2B5EF4-FFF2-40B4-BE49-F238E27FC236}">
+                <a16:creationId xmlns:a16="http://schemas.microsoft.com/office/drawing/2014/main" id="{B3B0DE92-FAE2-4DE5-9BCB-52248AAF7F09}"/>
+              </a:ext>
+            </a:extLst>
+          </p:cNvPr>
           <p:cNvSpPr>
             <a:spLocks noGrp="1"/>
           </p:cNvSpPr>
@@ -7891,62 +6790,376 @@
           <a:lstStyle/>
           <a:p>
             <a:r>
-              <a:rPr lang="zh-TW" altLang="en-US" dirty="0" smtClean="0"/>
-              <a:t>特色與優點</a:t>
-            </a:r>
+              <a:rPr lang="en-US" altLang="zh-TW" dirty="0"/>
+              <a:t>CSS</a:t>
+            </a:r>
+            <a:r>
+              <a:rPr lang="zh-TW" altLang="en-US" dirty="0"/>
+              <a:t>開場及文字動畫</a:t>
+            </a:r>
+          </a:p>
+        </p:txBody>
+      </p:sp>
+      <p:sp>
+        <p:nvSpPr>
+          <p:cNvPr id="3" name="內容版面配置區 2">
+            <a:extLst>
+              <a:ext uri="{FF2B5EF4-FFF2-40B4-BE49-F238E27FC236}">
+                <a16:creationId xmlns:a16="http://schemas.microsoft.com/office/drawing/2014/main" id="{6150616E-25DF-45AE-BEE0-08BF2B6640E9}"/>
+              </a:ext>
+            </a:extLst>
+          </p:cNvPr>
+          <p:cNvSpPr>
+            <a:spLocks noGrp="1"/>
+          </p:cNvSpPr>
+          <p:nvPr>
+            <p:ph idx="1"/>
+          </p:nvPr>
+        </p:nvSpPr>
+        <p:spPr/>
+        <p:txBody>
+          <a:bodyPr/>
+          <a:lstStyle/>
+          <a:p>
+            <a:r>
+              <a:rPr lang="zh-TW" altLang="en-US" b="0" dirty="0">
+                <a:solidFill>
+                  <a:srgbClr val="808080"/>
+                </a:solidFill>
+                <a:effectLst/>
+                <a:latin typeface="Consolas" panose="020B0609020204030204" pitchFamily="49" charset="0"/>
+              </a:rPr>
+              <a:t>先導入這個</a:t>
+            </a:r>
+            <a:r>
+              <a:rPr lang="en-US" altLang="zh-TW" b="0" dirty="0" err="1">
+                <a:solidFill>
+                  <a:srgbClr val="808080"/>
+                </a:solidFill>
+                <a:effectLst/>
+                <a:latin typeface="Consolas" panose="020B0609020204030204" pitchFamily="49" charset="0"/>
+              </a:rPr>
+              <a:t>css</a:t>
+            </a:r>
+            <a:endParaRPr lang="en-US" altLang="zh-TW" b="0" dirty="0">
+              <a:solidFill>
+                <a:srgbClr val="808080"/>
+              </a:solidFill>
+              <a:effectLst/>
+              <a:latin typeface="Consolas" panose="020B0609020204030204" pitchFamily="49" charset="0"/>
+            </a:endParaRPr>
+          </a:p>
+          <a:p>
+            <a:r>
+              <a:rPr lang="en-US" altLang="zh-TW" b="0" dirty="0">
+                <a:solidFill>
+                  <a:srgbClr val="808080"/>
+                </a:solidFill>
+                <a:effectLst/>
+                <a:latin typeface="Consolas" panose="020B0609020204030204" pitchFamily="49" charset="0"/>
+              </a:rPr>
+              <a:t>&lt;</a:t>
+            </a:r>
+            <a:r>
+              <a:rPr lang="en-US" altLang="zh-TW" b="0" dirty="0">
+                <a:solidFill>
+                  <a:srgbClr val="569CD6"/>
+                </a:solidFill>
+                <a:effectLst/>
+                <a:latin typeface="Consolas" panose="020B0609020204030204" pitchFamily="49" charset="0"/>
+              </a:rPr>
+              <a:t>link</a:t>
+            </a:r>
+            <a:r>
+              <a:rPr lang="en-US" altLang="zh-TW" b="0" dirty="0">
+                <a:solidFill>
+                  <a:srgbClr val="D4D4D4"/>
+                </a:solidFill>
+                <a:effectLst/>
+                <a:latin typeface="Consolas" panose="020B0609020204030204" pitchFamily="49" charset="0"/>
+              </a:rPr>
+              <a:t> </a:t>
+            </a:r>
+            <a:r>
+              <a:rPr lang="en-US" altLang="zh-TW" b="0" dirty="0" err="1">
+                <a:solidFill>
+                  <a:srgbClr val="9CDCFE"/>
+                </a:solidFill>
+                <a:effectLst/>
+                <a:latin typeface="Consolas" panose="020B0609020204030204" pitchFamily="49" charset="0"/>
+              </a:rPr>
+              <a:t>rel</a:t>
+            </a:r>
+            <a:r>
+              <a:rPr lang="en-US" altLang="zh-TW" b="0" dirty="0">
+                <a:solidFill>
+                  <a:srgbClr val="D4D4D4"/>
+                </a:solidFill>
+                <a:effectLst/>
+                <a:latin typeface="Consolas" panose="020B0609020204030204" pitchFamily="49" charset="0"/>
+              </a:rPr>
+              <a:t>=</a:t>
+            </a:r>
+            <a:r>
+              <a:rPr lang="en-US" altLang="zh-TW" b="0" dirty="0">
+                <a:solidFill>
+                  <a:srgbClr val="CE9178"/>
+                </a:solidFill>
+                <a:effectLst/>
+                <a:latin typeface="Consolas" panose="020B0609020204030204" pitchFamily="49" charset="0"/>
+              </a:rPr>
+              <a:t>"stylesheet"</a:t>
+            </a:r>
+            <a:r>
+              <a:rPr lang="en-US" altLang="zh-TW" b="0" dirty="0">
+                <a:solidFill>
+                  <a:srgbClr val="D4D4D4"/>
+                </a:solidFill>
+                <a:effectLst/>
+                <a:latin typeface="Consolas" panose="020B0609020204030204" pitchFamily="49" charset="0"/>
+              </a:rPr>
+              <a:t> </a:t>
+            </a:r>
+            <a:r>
+              <a:rPr lang="en-US" altLang="zh-TW" b="0" dirty="0" err="1">
+                <a:solidFill>
+                  <a:srgbClr val="9CDCFE"/>
+                </a:solidFill>
+                <a:effectLst/>
+                <a:latin typeface="Consolas" panose="020B0609020204030204" pitchFamily="49" charset="0"/>
+              </a:rPr>
+              <a:t>href</a:t>
+            </a:r>
+            <a:r>
+              <a:rPr lang="en-US" altLang="zh-TW" b="0" dirty="0">
+                <a:solidFill>
+                  <a:srgbClr val="D4D4D4"/>
+                </a:solidFill>
+                <a:effectLst/>
+                <a:latin typeface="Consolas" panose="020B0609020204030204" pitchFamily="49" charset="0"/>
+              </a:rPr>
+              <a:t>=</a:t>
+            </a:r>
+            <a:r>
+              <a:rPr lang="en-US" altLang="zh-TW" b="0" dirty="0">
+                <a:solidFill>
+                  <a:srgbClr val="CE9178"/>
+                </a:solidFill>
+                <a:effectLst/>
+                <a:latin typeface="Consolas" panose="020B0609020204030204" pitchFamily="49" charset="0"/>
+              </a:rPr>
+              <a:t>"https://cdnjs.cloudflare.com/ajax/libs/animate.css/3.7.2/animate.min.css"</a:t>
+            </a:r>
+            <a:r>
+              <a:rPr lang="en-US" altLang="zh-TW" b="0" dirty="0">
+                <a:solidFill>
+                  <a:srgbClr val="808080"/>
+                </a:solidFill>
+                <a:effectLst/>
+                <a:latin typeface="Consolas" panose="020B0609020204030204" pitchFamily="49" charset="0"/>
+              </a:rPr>
+              <a:t>&gt;</a:t>
+            </a:r>
+          </a:p>
+          <a:p>
+            <a:r>
+              <a:rPr lang="en-US" altLang="zh-TW" b="0" dirty="0">
+                <a:solidFill>
+                  <a:srgbClr val="D4D4D4"/>
+                </a:solidFill>
+                <a:effectLst/>
+                <a:latin typeface="Consolas" panose="020B0609020204030204" pitchFamily="49" charset="0"/>
+                <a:hlinkClick r:id="rId2"/>
+              </a:rPr>
+              <a:t>https://animate.</a:t>
+            </a:r>
+            <a:r>
+              <a:rPr lang="en-US" altLang="zh-TW" b="0">
+                <a:solidFill>
+                  <a:srgbClr val="D4D4D4"/>
+                </a:solidFill>
+                <a:effectLst/>
+                <a:latin typeface="Consolas" panose="020B0609020204030204" pitchFamily="49" charset="0"/>
+                <a:hlinkClick r:id="rId2"/>
+              </a:rPr>
+              <a:t>style</a:t>
+            </a:r>
+            <a:r>
+              <a:rPr lang="en-US" altLang="zh-TW" b="0">
+                <a:solidFill>
+                  <a:srgbClr val="D4D4D4"/>
+                </a:solidFill>
+                <a:effectLst/>
+                <a:latin typeface="Consolas" panose="020B0609020204030204" pitchFamily="49" charset="0"/>
+              </a:rPr>
+              <a:t> </a:t>
+            </a:r>
+          </a:p>
+          <a:p>
+            <a:r>
+              <a:rPr lang="en-US" altLang="zh-TW" b="0">
+                <a:solidFill>
+                  <a:srgbClr val="D4D4D4"/>
+                </a:solidFill>
+                <a:effectLst/>
+                <a:latin typeface="Consolas" panose="020B0609020204030204" pitchFamily="49" charset="0"/>
+              </a:rPr>
+              <a:t>   </a:t>
+            </a:r>
+            <a:r>
+              <a:rPr lang="en-US" altLang="zh-TW" b="0" dirty="0">
+                <a:solidFill>
+                  <a:srgbClr val="9CDCFE"/>
+                </a:solidFill>
+                <a:effectLst/>
+                <a:latin typeface="Consolas" panose="020B0609020204030204" pitchFamily="49" charset="0"/>
+              </a:rPr>
+              <a:t>animation</a:t>
+            </a:r>
+            <a:r>
+              <a:rPr lang="en-US" altLang="zh-TW" b="0" dirty="0">
+                <a:solidFill>
+                  <a:srgbClr val="D4D4D4"/>
+                </a:solidFill>
+                <a:effectLst/>
+                <a:latin typeface="Consolas" panose="020B0609020204030204" pitchFamily="49" charset="0"/>
+              </a:rPr>
+              <a:t>: </a:t>
+            </a:r>
+            <a:r>
+              <a:rPr lang="en-US" altLang="zh-TW" b="0" dirty="0" err="1">
+                <a:solidFill>
+                  <a:srgbClr val="D4D4D4"/>
+                </a:solidFill>
+                <a:effectLst/>
+                <a:latin typeface="Consolas" panose="020B0609020204030204" pitchFamily="49" charset="0"/>
+              </a:rPr>
+              <a:t>bounceInUp</a:t>
+            </a:r>
+            <a:r>
+              <a:rPr lang="en-US" altLang="zh-TW" b="0" dirty="0">
+                <a:solidFill>
+                  <a:srgbClr val="D4D4D4"/>
+                </a:solidFill>
+                <a:effectLst/>
+                <a:latin typeface="Consolas" panose="020B0609020204030204" pitchFamily="49" charset="0"/>
+              </a:rPr>
+              <a:t>;</a:t>
+            </a:r>
+          </a:p>
+          <a:p>
+            <a:r>
+              <a:rPr lang="en-US" altLang="zh-TW" b="0" dirty="0">
+                <a:solidFill>
+                  <a:srgbClr val="D4D4D4"/>
+                </a:solidFill>
+                <a:effectLst/>
+                <a:latin typeface="Consolas" panose="020B0609020204030204" pitchFamily="49" charset="0"/>
+              </a:rPr>
+              <a:t>   </a:t>
+            </a:r>
+            <a:r>
+              <a:rPr lang="en-US" altLang="zh-TW" b="0" dirty="0">
+                <a:solidFill>
+                  <a:srgbClr val="9CDCFE"/>
+                </a:solidFill>
+                <a:effectLst/>
+                <a:latin typeface="Consolas" panose="020B0609020204030204" pitchFamily="49" charset="0"/>
+              </a:rPr>
+              <a:t>animation-duration</a:t>
+            </a:r>
+            <a:r>
+              <a:rPr lang="en-US" altLang="zh-TW" b="0" dirty="0">
+                <a:solidFill>
+                  <a:srgbClr val="D4D4D4"/>
+                </a:solidFill>
+                <a:effectLst/>
+                <a:latin typeface="Consolas" panose="020B0609020204030204" pitchFamily="49" charset="0"/>
+              </a:rPr>
+              <a:t>: </a:t>
+            </a:r>
+            <a:r>
+              <a:rPr lang="en-US" altLang="zh-TW" b="0" dirty="0">
+                <a:solidFill>
+                  <a:srgbClr val="B5CEA8"/>
+                </a:solidFill>
+                <a:effectLst/>
+                <a:latin typeface="Consolas" panose="020B0609020204030204" pitchFamily="49" charset="0"/>
+              </a:rPr>
+              <a:t>2s</a:t>
+            </a:r>
+            <a:r>
+              <a:rPr lang="en-US" altLang="zh-TW" b="0" dirty="0">
+                <a:solidFill>
+                  <a:srgbClr val="D4D4D4"/>
+                </a:solidFill>
+                <a:effectLst/>
+                <a:latin typeface="Consolas" panose="020B0609020204030204" pitchFamily="49" charset="0"/>
+              </a:rPr>
+              <a:t>;</a:t>
+            </a:r>
+          </a:p>
+          <a:p>
+            <a:r>
+              <a:rPr lang="en-US" altLang="zh-TW" b="0" dirty="0">
+                <a:solidFill>
+                  <a:srgbClr val="D4D4D4"/>
+                </a:solidFill>
+                <a:effectLst/>
+                <a:latin typeface="Consolas" panose="020B0609020204030204" pitchFamily="49" charset="0"/>
+              </a:rPr>
+              <a:t>   </a:t>
+            </a:r>
+            <a:r>
+              <a:rPr lang="en-US" altLang="zh-TW" b="0" dirty="0" err="1">
+                <a:solidFill>
+                  <a:srgbClr val="9CDCFE"/>
+                </a:solidFill>
+                <a:effectLst/>
+                <a:latin typeface="Consolas" panose="020B0609020204030204" pitchFamily="49" charset="0"/>
+              </a:rPr>
+              <a:t>animation-fill-mode</a:t>
+            </a:r>
+            <a:r>
+              <a:rPr lang="en-US" altLang="zh-TW" b="0" dirty="0" err="1">
+                <a:solidFill>
+                  <a:srgbClr val="D4D4D4"/>
+                </a:solidFill>
+                <a:effectLst/>
+                <a:latin typeface="Consolas" panose="020B0609020204030204" pitchFamily="49" charset="0"/>
+              </a:rPr>
+              <a:t>:</a:t>
+            </a:r>
+            <a:r>
+              <a:rPr lang="en-US" altLang="zh-TW" b="0" dirty="0" err="1">
+                <a:solidFill>
+                  <a:srgbClr val="CE9178"/>
+                </a:solidFill>
+                <a:effectLst/>
+                <a:latin typeface="Consolas" panose="020B0609020204030204" pitchFamily="49" charset="0"/>
+              </a:rPr>
+              <a:t>backwards</a:t>
+            </a:r>
+            <a:r>
+              <a:rPr lang="en-US" altLang="zh-TW" b="0" dirty="0">
+                <a:solidFill>
+                  <a:srgbClr val="D4D4D4"/>
+                </a:solidFill>
+                <a:effectLst/>
+                <a:latin typeface="Consolas" panose="020B0609020204030204" pitchFamily="49" charset="0"/>
+              </a:rPr>
+              <a:t>;</a:t>
+            </a:r>
+          </a:p>
+          <a:p>
             <a:endParaRPr lang="zh-TW" altLang="en-US" dirty="0"/>
-          </a:p>
-        </p:txBody>
-      </p:sp>
-      <p:sp>
-        <p:nvSpPr>
-          <p:cNvPr id="3" name="內容版面配置區 2"/>
-          <p:cNvSpPr>
-            <a:spLocks noGrp="1"/>
-          </p:cNvSpPr>
-          <p:nvPr>
-            <p:ph idx="1"/>
-          </p:nvPr>
-        </p:nvSpPr>
-        <p:spPr>
-          <a:xfrm>
-            <a:off x="677334" y="2160589"/>
-            <a:ext cx="6978688" cy="3880773"/>
-          </a:xfrm>
-        </p:spPr>
-        <p:txBody>
-          <a:bodyPr>
-            <a:normAutofit/>
-          </a:bodyPr>
-          <a:lstStyle/>
-          <a:p>
-            <a:r>
-              <a:rPr lang="zh-TW" altLang="en-US" sz="2400" dirty="0" smtClean="0"/>
-              <a:t>裡面有很多馬刺三巨頭之前的經典球星介紹</a:t>
-            </a:r>
-            <a:r>
-              <a:rPr lang="en-US" altLang="zh-TW" sz="2400" dirty="0" smtClean="0"/>
-              <a:t>,</a:t>
-            </a:r>
-            <a:r>
-              <a:rPr lang="zh-TW" altLang="en-US" sz="2400" dirty="0" smtClean="0"/>
-              <a:t>也都有附上影片讓使用者更快認識這些在台灣不有名但卻很強的球員</a:t>
-            </a:r>
-            <a:endParaRPr lang="en-US" altLang="zh-TW" sz="2400" dirty="0" smtClean="0"/>
-          </a:p>
-          <a:p>
-            <a:r>
-              <a:rPr lang="zh-TW" altLang="en-US" sz="2400" dirty="0" smtClean="0"/>
-              <a:t>還有附上個人覺得馬刺隊最厲害的兩個戰術讓想學習馬刺團隊球風的人好好研究</a:t>
-            </a:r>
-            <a:endParaRPr lang="zh-TW" altLang="en-US" sz="2400" dirty="0"/>
           </a:p>
         </p:txBody>
       </p:sp>
     </p:spTree>
     <p:extLst>
       <p:ext uri="{BB962C8B-B14F-4D97-AF65-F5344CB8AC3E}">
-        <p14:creationId xmlns:p14="http://schemas.microsoft.com/office/powerpoint/2010/main" val="4152252013"/>
+        <p14:creationId xmlns:p14="http://schemas.microsoft.com/office/powerpoint/2010/main" val="2798263284"/>
       </p:ext>
     </p:extLst>
   </p:cSld>
@@ -7978,7 +7191,7 @@
           <p:cNvPr id="2" name="標題 1">
             <a:extLst>
               <a:ext uri="{FF2B5EF4-FFF2-40B4-BE49-F238E27FC236}">
-                <a16:creationId xmlns:a16="http://schemas.microsoft.com/office/drawing/2014/main" id="{A7CD8B6D-6EA8-47AF-9D04-07CB62790CD9}"/>
+                <a16:creationId xmlns:a16="http://schemas.microsoft.com/office/drawing/2014/main" id="{72F2D49A-E3F4-4AE0-A87F-6A3BC5E2DE79}"/>
               </a:ext>
             </a:extLst>
           </p:cNvPr>
@@ -7995,8 +7208,8 @@
           <a:lstStyle/>
           <a:p>
             <a:r>
-              <a:rPr lang="en-US" altLang="zh-TW" dirty="0" err="1"/>
-              <a:t>Youtube</a:t>
+              <a:rPr lang="en-US" altLang="zh-TW" dirty="0"/>
+              <a:t>Fetch</a:t>
             </a:r>
             <a:endParaRPr lang="zh-TW" altLang="en-US" dirty="0"/>
           </a:p>
@@ -8007,7 +7220,7 @@
           <p:cNvPr id="3" name="內容版面配置區 2">
             <a:extLst>
               <a:ext uri="{FF2B5EF4-FFF2-40B4-BE49-F238E27FC236}">
-                <a16:creationId xmlns:a16="http://schemas.microsoft.com/office/drawing/2014/main" id="{3BB25E80-0945-4839-B9A6-AAEA722DE376}"/>
+                <a16:creationId xmlns:a16="http://schemas.microsoft.com/office/drawing/2014/main" id="{563795F3-A25A-4EB7-934B-FE6A1B4DFCCE}"/>
               </a:ext>
             </a:extLst>
           </p:cNvPr>
@@ -8024,76 +7237,175 @@
           <a:lstStyle/>
           <a:p>
             <a:r>
-              <a:rPr lang="zh-TW" altLang="en-US" dirty="0">
-                <a:solidFill>
-                  <a:srgbClr val="808080"/>
-                </a:solidFill>
-                <a:latin typeface="Consolas" panose="020B0609020204030204" pitchFamily="49" charset="0"/>
-              </a:rPr>
-              <a:t>使用</a:t>
-            </a:r>
-            <a:r>
-              <a:rPr lang="en-US" altLang="zh-TW" dirty="0" err="1">
-                <a:solidFill>
-                  <a:srgbClr val="808080"/>
-                </a:solidFill>
-                <a:latin typeface="Consolas" panose="020B0609020204030204" pitchFamily="49" charset="0"/>
-              </a:rPr>
-              <a:t>youtube</a:t>
-            </a:r>
-            <a:r>
-              <a:rPr lang="zh-TW" altLang="en-US" dirty="0">
-                <a:solidFill>
-                  <a:srgbClr val="808080"/>
-                </a:solidFill>
-                <a:latin typeface="Consolas" panose="020B0609020204030204" pitchFamily="49" charset="0"/>
-              </a:rPr>
-              <a:t>的分享功能將影片嵌入我們的</a:t>
-            </a:r>
-            <a:r>
-              <a:rPr lang="en-US" altLang="zh-TW" dirty="0">
-                <a:solidFill>
-                  <a:srgbClr val="808080"/>
-                </a:solidFill>
-                <a:latin typeface="Consolas" panose="020B0609020204030204" pitchFamily="49" charset="0"/>
-              </a:rPr>
-              <a:t>html</a:t>
-            </a:r>
-            <a:r>
-              <a:rPr lang="zh-TW" altLang="en-US" dirty="0">
-                <a:solidFill>
-                  <a:srgbClr val="808080"/>
-                </a:solidFill>
-                <a:latin typeface="Consolas" panose="020B0609020204030204" pitchFamily="49" charset="0"/>
-              </a:rPr>
-              <a:t>裡</a:t>
+              <a:rPr lang="zh-TW" altLang="en-US" b="0" dirty="0">
+                <a:solidFill>
+                  <a:srgbClr val="FF0000"/>
+                </a:solidFill>
+                <a:effectLst/>
+                <a:latin typeface="Consolas" panose="020B0609020204030204" pitchFamily="49" charset="0"/>
+              </a:rPr>
+              <a:t>用</a:t>
+            </a:r>
+            <a:r>
+              <a:rPr lang="en-US" altLang="zh-TW" b="0" dirty="0">
+                <a:solidFill>
+                  <a:srgbClr val="FF0000"/>
+                </a:solidFill>
+                <a:effectLst/>
+                <a:latin typeface="Consolas" panose="020B0609020204030204" pitchFamily="49" charset="0"/>
+              </a:rPr>
+              <a:t>fetch</a:t>
+            </a:r>
+            <a:r>
+              <a:rPr lang="zh-TW" altLang="en-US" b="0" dirty="0">
+                <a:solidFill>
+                  <a:srgbClr val="FF0000"/>
+                </a:solidFill>
+                <a:effectLst/>
+                <a:latin typeface="Consolas" panose="020B0609020204030204" pitchFamily="49" charset="0"/>
+              </a:rPr>
+              <a:t>抓取</a:t>
+            </a:r>
+            <a:r>
+              <a:rPr lang="en-US" altLang="zh-TW" b="0" dirty="0" err="1">
+                <a:solidFill>
+                  <a:srgbClr val="FF0000"/>
+                </a:solidFill>
+                <a:effectLst/>
+                <a:latin typeface="Consolas" panose="020B0609020204030204" pitchFamily="49" charset="0"/>
+              </a:rPr>
+              <a:t>github</a:t>
+            </a:r>
+            <a:r>
+              <a:rPr lang="zh-TW" altLang="en-US" b="0" dirty="0">
+                <a:solidFill>
+                  <a:srgbClr val="FF0000"/>
+                </a:solidFill>
+                <a:effectLst/>
+                <a:latin typeface="Consolas" panose="020B0609020204030204" pitchFamily="49" charset="0"/>
+              </a:rPr>
+              <a:t>的</a:t>
+            </a:r>
+            <a:r>
+              <a:rPr lang="en-US" altLang="zh-TW" b="0" dirty="0">
+                <a:solidFill>
+                  <a:srgbClr val="FF0000"/>
+                </a:solidFill>
+                <a:effectLst/>
+                <a:latin typeface="Consolas" panose="020B0609020204030204" pitchFamily="49" charset="0"/>
+              </a:rPr>
+              <a:t>txt</a:t>
+            </a:r>
+            <a:r>
+              <a:rPr lang="zh-TW" altLang="en-US" b="0" dirty="0">
+                <a:solidFill>
+                  <a:srgbClr val="FF0000"/>
+                </a:solidFill>
+                <a:effectLst/>
+                <a:latin typeface="Consolas" panose="020B0609020204030204" pitchFamily="49" charset="0"/>
+              </a:rPr>
+              <a:t>檔再將其秀出</a:t>
             </a:r>
             <a:endParaRPr lang="en-US" altLang="zh-TW" b="0" dirty="0">
               <a:solidFill>
-                <a:srgbClr val="808080"/>
+                <a:srgbClr val="FF0000"/>
               </a:solidFill>
               <a:effectLst/>
               <a:latin typeface="Consolas" panose="020B0609020204030204" pitchFamily="49" charset="0"/>
             </a:endParaRPr>
           </a:p>
           <a:p>
-            <a:endParaRPr lang="en-US" altLang="zh-TW" dirty="0">
-              <a:solidFill>
-                <a:srgbClr val="808080"/>
-              </a:solidFill>
-              <a:latin typeface="Consolas" panose="020B0609020204030204" pitchFamily="49" charset="0"/>
-            </a:endParaRPr>
-          </a:p>
-          <a:p>
-            <a:r>
-              <a:rPr lang="en-US" altLang="zh-TW" b="0" dirty="0">
-                <a:solidFill>
-                  <a:srgbClr val="808080"/>
-                </a:solidFill>
-                <a:effectLst/>
-                <a:latin typeface="Consolas" panose="020B0609020204030204" pitchFamily="49" charset="0"/>
-              </a:rPr>
-              <a:t>&lt;</a:t>
+            <a:r>
+              <a:rPr lang="en-US" altLang="zh-TW" b="0" dirty="0">
+                <a:solidFill>
+                  <a:srgbClr val="DCDCAA"/>
+                </a:solidFill>
+                <a:effectLst/>
+                <a:latin typeface="Consolas" panose="020B0609020204030204" pitchFamily="49" charset="0"/>
+              </a:rPr>
+              <a:t>fetch</a:t>
+            </a:r>
+            <a:r>
+              <a:rPr lang="en-US" altLang="zh-TW" b="0" dirty="0">
+                <a:solidFill>
+                  <a:srgbClr val="D4D4D4"/>
+                </a:solidFill>
+                <a:effectLst/>
+                <a:latin typeface="Consolas" panose="020B0609020204030204" pitchFamily="49" charset="0"/>
+              </a:rPr>
+              <a:t>(</a:t>
+            </a:r>
+            <a:r>
+              <a:rPr lang="en-US" altLang="zh-TW" b="0" dirty="0">
+                <a:solidFill>
+                  <a:srgbClr val="CE9178"/>
+                </a:solidFill>
+                <a:effectLst/>
+                <a:latin typeface="Consolas" panose="020B0609020204030204" pitchFamily="49" charset="0"/>
+              </a:rPr>
+              <a:t>'https://qq1456978523.github.io/tony/1976.txt'</a:t>
+            </a:r>
+            <a:r>
+              <a:rPr lang="en-US" altLang="zh-TW" b="0" dirty="0">
+                <a:solidFill>
+                  <a:srgbClr val="D4D4D4"/>
+                </a:solidFill>
+                <a:effectLst/>
+                <a:latin typeface="Consolas" panose="020B0609020204030204" pitchFamily="49" charset="0"/>
+              </a:rPr>
+              <a:t>)</a:t>
+            </a:r>
+          </a:p>
+          <a:p>
+            <a:r>
+              <a:rPr lang="en-US" altLang="zh-TW" b="0" dirty="0">
+                <a:solidFill>
+                  <a:srgbClr val="D4D4D4"/>
+                </a:solidFill>
+                <a:effectLst/>
+                <a:latin typeface="Consolas" panose="020B0609020204030204" pitchFamily="49" charset="0"/>
+              </a:rPr>
+              <a:t>                    .</a:t>
+            </a:r>
+            <a:r>
+              <a:rPr lang="en-US" altLang="zh-TW" b="0" dirty="0">
+                <a:solidFill>
+                  <a:srgbClr val="DCDCAA"/>
+                </a:solidFill>
+                <a:effectLst/>
+                <a:latin typeface="Consolas" panose="020B0609020204030204" pitchFamily="49" charset="0"/>
+              </a:rPr>
+              <a:t>then</a:t>
+            </a:r>
+            <a:r>
+              <a:rPr lang="en-US" altLang="zh-TW" b="0" dirty="0">
+                <a:solidFill>
+                  <a:srgbClr val="D4D4D4"/>
+                </a:solidFill>
+                <a:effectLst/>
+                <a:latin typeface="Consolas" panose="020B0609020204030204" pitchFamily="49" charset="0"/>
+              </a:rPr>
+              <a:t>(</a:t>
+            </a:r>
+            <a:r>
+              <a:rPr lang="en-US" altLang="zh-TW" b="0" dirty="0">
+                <a:solidFill>
+                  <a:srgbClr val="9CDCFE"/>
+                </a:solidFill>
+                <a:effectLst/>
+                <a:latin typeface="Consolas" panose="020B0609020204030204" pitchFamily="49" charset="0"/>
+              </a:rPr>
+              <a:t>resp</a:t>
+            </a:r>
+            <a:r>
+              <a:rPr lang="en-US" altLang="zh-TW" b="0" dirty="0">
+                <a:solidFill>
+                  <a:srgbClr val="D4D4D4"/>
+                </a:solidFill>
+                <a:effectLst/>
+                <a:latin typeface="Consolas" panose="020B0609020204030204" pitchFamily="49" charset="0"/>
+              </a:rPr>
+              <a:t> </a:t>
             </a:r>
             <a:r>
               <a:rPr lang="en-US" altLang="zh-TW" b="0" dirty="0">
@@ -8103,7 +7415,7 @@
                 <a:effectLst/>
                 <a:latin typeface="Consolas" panose="020B0609020204030204" pitchFamily="49" charset="0"/>
               </a:rPr>
-              <a:t>iframe</a:t>
+              <a:t>=&gt;</a:t>
             </a:r>
             <a:r>
               <a:rPr lang="en-US" altLang="zh-TW" b="0" dirty="0">
@@ -8116,24 +7428,156 @@
               <a:t> </a:t>
             </a:r>
             <a:r>
-              <a:rPr lang="en-US" altLang="zh-TW" b="0" dirty="0">
+              <a:rPr lang="en-US" altLang="zh-TW" b="0" dirty="0" err="1">
                 <a:solidFill>
                   <a:srgbClr val="9CDCFE"/>
                 </a:solidFill>
                 <a:effectLst/>
                 <a:latin typeface="Consolas" panose="020B0609020204030204" pitchFamily="49" charset="0"/>
               </a:rPr>
-              <a:t>width</a:t>
-            </a:r>
-            <a:r>
-              <a:rPr lang="en-US" altLang="zh-TW" b="0" dirty="0">
+              <a:t>resp</a:t>
+            </a:r>
+            <a:r>
+              <a:rPr lang="en-US" altLang="zh-TW" b="0" dirty="0" err="1">
                 <a:solidFill>
                   <a:srgbClr val="D4D4D4"/>
                 </a:solidFill>
                 <a:effectLst/>
                 <a:latin typeface="Consolas" panose="020B0609020204030204" pitchFamily="49" charset="0"/>
               </a:rPr>
-              <a:t>=</a:t>
+              <a:t>.</a:t>
+            </a:r>
+            <a:r>
+              <a:rPr lang="en-US" altLang="zh-TW" b="0" dirty="0" err="1">
+                <a:solidFill>
+                  <a:srgbClr val="DCDCAA"/>
+                </a:solidFill>
+                <a:effectLst/>
+                <a:latin typeface="Consolas" panose="020B0609020204030204" pitchFamily="49" charset="0"/>
+              </a:rPr>
+              <a:t>text</a:t>
+            </a:r>
+            <a:r>
+              <a:rPr lang="en-US" altLang="zh-TW" b="0" dirty="0">
+                <a:solidFill>
+                  <a:srgbClr val="D4D4D4"/>
+                </a:solidFill>
+                <a:effectLst/>
+                <a:latin typeface="Consolas" panose="020B0609020204030204" pitchFamily="49" charset="0"/>
+              </a:rPr>
+              <a:t>())</a:t>
+            </a:r>
+          </a:p>
+          <a:p>
+            <a:r>
+              <a:rPr lang="en-US" altLang="zh-TW" b="0" dirty="0">
+                <a:solidFill>
+                  <a:srgbClr val="D4D4D4"/>
+                </a:solidFill>
+                <a:effectLst/>
+                <a:latin typeface="Consolas" panose="020B0609020204030204" pitchFamily="49" charset="0"/>
+              </a:rPr>
+              <a:t>                   .</a:t>
+            </a:r>
+            <a:r>
+              <a:rPr lang="en-US" altLang="zh-TW" b="0" dirty="0">
+                <a:solidFill>
+                  <a:srgbClr val="DCDCAA"/>
+                </a:solidFill>
+                <a:effectLst/>
+                <a:latin typeface="Consolas" panose="020B0609020204030204" pitchFamily="49" charset="0"/>
+              </a:rPr>
+              <a:t>then</a:t>
+            </a:r>
+            <a:r>
+              <a:rPr lang="en-US" altLang="zh-TW" b="0" dirty="0">
+                <a:solidFill>
+                  <a:srgbClr val="D4D4D4"/>
+                </a:solidFill>
+                <a:effectLst/>
+                <a:latin typeface="Consolas" panose="020B0609020204030204" pitchFamily="49" charset="0"/>
+              </a:rPr>
+              <a:t>(</a:t>
+            </a:r>
+            <a:r>
+              <a:rPr lang="en-US" altLang="zh-TW" b="0" dirty="0">
+                <a:solidFill>
+                  <a:srgbClr val="9CDCFE"/>
+                </a:solidFill>
+                <a:effectLst/>
+                <a:latin typeface="Consolas" panose="020B0609020204030204" pitchFamily="49" charset="0"/>
+              </a:rPr>
+              <a:t>text</a:t>
+            </a:r>
+            <a:r>
+              <a:rPr lang="en-US" altLang="zh-TW" b="0" dirty="0">
+                <a:solidFill>
+                  <a:srgbClr val="D4D4D4"/>
+                </a:solidFill>
+                <a:effectLst/>
+                <a:latin typeface="Consolas" panose="020B0609020204030204" pitchFamily="49" charset="0"/>
+              </a:rPr>
+              <a:t> </a:t>
+            </a:r>
+            <a:r>
+              <a:rPr lang="en-US" altLang="zh-TW" b="0" dirty="0">
+                <a:solidFill>
+                  <a:srgbClr val="569CD6"/>
+                </a:solidFill>
+                <a:effectLst/>
+                <a:latin typeface="Consolas" panose="020B0609020204030204" pitchFamily="49" charset="0"/>
+              </a:rPr>
+              <a:t>=&gt;</a:t>
+            </a:r>
+            <a:r>
+              <a:rPr lang="en-US" altLang="zh-TW" b="0" dirty="0">
+                <a:solidFill>
+                  <a:srgbClr val="D4D4D4"/>
+                </a:solidFill>
+                <a:effectLst/>
+                <a:latin typeface="Consolas" panose="020B0609020204030204" pitchFamily="49" charset="0"/>
+              </a:rPr>
+              <a:t> </a:t>
+            </a:r>
+            <a:r>
+              <a:rPr lang="en-US" altLang="zh-TW" b="0" dirty="0" err="1">
+                <a:solidFill>
+                  <a:srgbClr val="9CDCFE"/>
+                </a:solidFill>
+                <a:effectLst/>
+                <a:latin typeface="Consolas" panose="020B0609020204030204" pitchFamily="49" charset="0"/>
+              </a:rPr>
+              <a:t>document</a:t>
+            </a:r>
+            <a:r>
+              <a:rPr lang="en-US" altLang="zh-TW" b="0" dirty="0" err="1">
+                <a:solidFill>
+                  <a:srgbClr val="D4D4D4"/>
+                </a:solidFill>
+                <a:effectLst/>
+                <a:latin typeface="Consolas" panose="020B0609020204030204" pitchFamily="49" charset="0"/>
+              </a:rPr>
+              <a:t>.</a:t>
+            </a:r>
+            <a:r>
+              <a:rPr lang="en-US" altLang="zh-TW" b="0" dirty="0" err="1">
+                <a:solidFill>
+                  <a:srgbClr val="DCDCAA"/>
+                </a:solidFill>
+                <a:effectLst/>
+                <a:latin typeface="Consolas" panose="020B0609020204030204" pitchFamily="49" charset="0"/>
+              </a:rPr>
+              <a:t>getElementById</a:t>
+            </a:r>
+            <a:r>
+              <a:rPr lang="en-US" altLang="zh-TW" b="0" dirty="0">
+                <a:solidFill>
+                  <a:srgbClr val="D4D4D4"/>
+                </a:solidFill>
+                <a:effectLst/>
+                <a:latin typeface="Consolas" panose="020B0609020204030204" pitchFamily="49" charset="0"/>
+              </a:rPr>
+              <a:t>(</a:t>
             </a:r>
             <a:r>
               <a:rPr lang="en-US" altLang="zh-TW" b="0" dirty="0">
@@ -8143,7 +7587,27 @@
                 <a:effectLst/>
                 <a:latin typeface="Consolas" panose="020B0609020204030204" pitchFamily="49" charset="0"/>
               </a:rPr>
-              <a:t>"600"</a:t>
+              <a:t>'</a:t>
+            </a:r>
+            <a:r>
+              <a:rPr lang="en-US" altLang="zh-TW" b="0" dirty="0" err="1">
+                <a:solidFill>
+                  <a:srgbClr val="CE9178"/>
+                </a:solidFill>
+                <a:effectLst/>
+                <a:latin typeface="Consolas" panose="020B0609020204030204" pitchFamily="49" charset="0"/>
+              </a:rPr>
+              <a:t>tabl</a:t>
+            </a:r>
+            <a:r>
+              <a:rPr lang="en-US" altLang="zh-TW" b="0" dirty="0">
+                <a:solidFill>
+                  <a:srgbClr val="CE9178"/>
+                </a:solidFill>
+                <a:effectLst/>
+                <a:latin typeface="Consolas" panose="020B0609020204030204" pitchFamily="49" charset="0"/>
+              </a:rPr>
+              <a:t>							e'</a:t>
             </a:r>
             <a:r>
               <a:rPr lang="en-US" altLang="zh-TW" b="0" dirty="0">
@@ -8153,17 +7617,17 @@
                 <a:effectLst/>
                 <a:latin typeface="Consolas" panose="020B0609020204030204" pitchFamily="49" charset="0"/>
               </a:rPr>
-              <a:t> </a:t>
-            </a:r>
-            <a:r>
-              <a:rPr lang="en-US" altLang="zh-TW" b="0" dirty="0">
+              <a:t>).</a:t>
+            </a:r>
+            <a:r>
+              <a:rPr lang="en-US" altLang="zh-TW" b="0" dirty="0" err="1">
                 <a:solidFill>
                   <a:srgbClr val="9CDCFE"/>
                 </a:solidFill>
                 <a:effectLst/>
                 <a:latin typeface="Consolas" panose="020B0609020204030204" pitchFamily="49" charset="0"/>
               </a:rPr>
-              <a:t>height</a:t>
+              <a:t>innerHTML</a:t>
             </a:r>
             <a:r>
               <a:rPr lang="en-US" altLang="zh-TW" b="0" dirty="0">
@@ -8173,7 +7637,7 @@
                 <a:effectLst/>
                 <a:latin typeface="Consolas" panose="020B0609020204030204" pitchFamily="49" charset="0"/>
               </a:rPr>
-              <a:t>=</a:t>
+              <a:t> = </a:t>
             </a:r>
             <a:r>
               <a:rPr lang="en-US" altLang="zh-TW" b="0" dirty="0">
@@ -8183,7 +7647,7 @@
                 <a:effectLst/>
                 <a:latin typeface="Consolas" panose="020B0609020204030204" pitchFamily="49" charset="0"/>
               </a:rPr>
-              <a:t>"315"</a:t>
+              <a:t>"&lt;p&gt;"</a:t>
             </a:r>
             <a:r>
               <a:rPr lang="en-US" altLang="zh-TW" b="0" dirty="0">
@@ -8193,17 +7657,17 @@
                 <a:effectLst/>
                 <a:latin typeface="Consolas" panose="020B0609020204030204" pitchFamily="49" charset="0"/>
               </a:rPr>
-              <a:t> </a:t>
-            </a:r>
-            <a:r>
-              <a:rPr lang="en-US" altLang="zh-TW" b="0" dirty="0" err="1">
+              <a:t>+</a:t>
+            </a:r>
+            <a:r>
+              <a:rPr lang="en-US" altLang="zh-TW" b="0" dirty="0">
                 <a:solidFill>
                   <a:srgbClr val="9CDCFE"/>
                 </a:solidFill>
                 <a:effectLst/>
                 <a:latin typeface="Consolas" panose="020B0609020204030204" pitchFamily="49" charset="0"/>
               </a:rPr>
-              <a:t>src</a:t>
+              <a:t>text</a:t>
             </a:r>
             <a:r>
               <a:rPr lang="en-US" altLang="zh-TW" b="0" dirty="0">
@@ -8213,7 +7677,7 @@
                 <a:effectLst/>
                 <a:latin typeface="Consolas" panose="020B0609020204030204" pitchFamily="49" charset="0"/>
               </a:rPr>
-              <a:t>=</a:t>
+              <a:t>+</a:t>
             </a:r>
             <a:r>
               <a:rPr lang="en-US" altLang="zh-TW" b="0" dirty="0">
@@ -8223,7 +7687,7 @@
                 <a:effectLst/>
                 <a:latin typeface="Consolas" panose="020B0609020204030204" pitchFamily="49" charset="0"/>
               </a:rPr>
-              <a:t>"https://www.youtube.com/embed/HRy4xYZdSQ0"</a:t>
+              <a:t>"&lt;/p&gt;"</a:t>
             </a:r>
             <a:r>
               <a:rPr lang="en-US" altLang="zh-TW" b="0" dirty="0">
@@ -8233,155 +7697,8 @@
                 <a:effectLst/>
                 <a:latin typeface="Consolas" panose="020B0609020204030204" pitchFamily="49" charset="0"/>
               </a:rPr>
-              <a:t> </a:t>
-            </a:r>
-            <a:r>
-              <a:rPr lang="en-US" altLang="zh-TW" b="0" dirty="0">
-                <a:solidFill>
-                  <a:srgbClr val="9CDCFE"/>
-                </a:solidFill>
-                <a:effectLst/>
-                <a:latin typeface="Consolas" panose="020B0609020204030204" pitchFamily="49" charset="0"/>
-              </a:rPr>
-              <a:t>frameborder</a:t>
-            </a:r>
-            <a:r>
-              <a:rPr lang="en-US" altLang="zh-TW" b="0" dirty="0">
-                <a:solidFill>
-                  <a:srgbClr val="D4D4D4"/>
-                </a:solidFill>
-                <a:effectLst/>
-                <a:latin typeface="Consolas" panose="020B0609020204030204" pitchFamily="49" charset="0"/>
-              </a:rPr>
-              <a:t>=</a:t>
-            </a:r>
-            <a:r>
-              <a:rPr lang="en-US" altLang="zh-TW" b="0" dirty="0">
-                <a:solidFill>
-                  <a:srgbClr val="CE9178"/>
-                </a:solidFill>
-                <a:effectLst/>
-                <a:latin typeface="Consolas" panose="020B0609020204030204" pitchFamily="49" charset="0"/>
-              </a:rPr>
-              <a:t>"0"</a:t>
-            </a:r>
-            <a:r>
-              <a:rPr lang="en-US" altLang="zh-TW" b="0" dirty="0">
-                <a:solidFill>
-                  <a:srgbClr val="D4D4D4"/>
-                </a:solidFill>
-                <a:effectLst/>
-                <a:latin typeface="Consolas" panose="020B0609020204030204" pitchFamily="49" charset="0"/>
-              </a:rPr>
-              <a:t> </a:t>
-            </a:r>
-            <a:r>
-              <a:rPr lang="en-US" altLang="zh-TW" b="0" dirty="0">
-                <a:solidFill>
-                  <a:srgbClr val="9CDCFE"/>
-                </a:solidFill>
-                <a:effectLst/>
-                <a:latin typeface="Consolas" panose="020B0609020204030204" pitchFamily="49" charset="0"/>
-              </a:rPr>
-              <a:t>allow</a:t>
-            </a:r>
-            <a:r>
-              <a:rPr lang="en-US" altLang="zh-TW" b="0" dirty="0">
-                <a:solidFill>
-                  <a:srgbClr val="D4D4D4"/>
-                </a:solidFill>
-                <a:effectLst/>
-                <a:latin typeface="Consolas" panose="020B0609020204030204" pitchFamily="49" charset="0"/>
-              </a:rPr>
-              <a:t>=</a:t>
-            </a:r>
-            <a:r>
-              <a:rPr lang="en-US" altLang="zh-TW" b="0" dirty="0">
-                <a:solidFill>
-                  <a:srgbClr val="CE9178"/>
-                </a:solidFill>
-                <a:effectLst/>
-                <a:latin typeface="Consolas" panose="020B0609020204030204" pitchFamily="49" charset="0"/>
-              </a:rPr>
-              <a:t>"accelerometer; </a:t>
-            </a:r>
-            <a:r>
-              <a:rPr lang="en-US" altLang="zh-TW" b="0" dirty="0" err="1">
-                <a:solidFill>
-                  <a:srgbClr val="CE9178"/>
-                </a:solidFill>
-                <a:effectLst/>
-                <a:latin typeface="Consolas" panose="020B0609020204030204" pitchFamily="49" charset="0"/>
-              </a:rPr>
-              <a:t>autoplay</a:t>
-            </a:r>
-            <a:r>
-              <a:rPr lang="en-US" altLang="zh-TW" b="0" dirty="0">
-                <a:solidFill>
-                  <a:srgbClr val="CE9178"/>
-                </a:solidFill>
-                <a:effectLst/>
-                <a:latin typeface="Consolas" panose="020B0609020204030204" pitchFamily="49" charset="0"/>
-              </a:rPr>
-              <a:t>; clipboard-write; encrypted-media; gyroscope; picture-in-picture"</a:t>
-            </a:r>
-            <a:r>
-              <a:rPr lang="en-US" altLang="zh-TW" b="0" dirty="0">
-                <a:solidFill>
-                  <a:srgbClr val="D4D4D4"/>
-                </a:solidFill>
-                <a:effectLst/>
-                <a:latin typeface="Consolas" panose="020B0609020204030204" pitchFamily="49" charset="0"/>
-              </a:rPr>
-              <a:t> </a:t>
-            </a:r>
-            <a:r>
-              <a:rPr lang="en-US" altLang="zh-TW" b="0" dirty="0" err="1">
-                <a:solidFill>
-                  <a:srgbClr val="9CDCFE"/>
-                </a:solidFill>
-                <a:effectLst/>
-                <a:latin typeface="Consolas" panose="020B0609020204030204" pitchFamily="49" charset="0"/>
-              </a:rPr>
-              <a:t>allowfullscreen</a:t>
-            </a:r>
-            <a:r>
-              <a:rPr lang="en-US" altLang="zh-TW" b="0" dirty="0">
-                <a:solidFill>
-                  <a:srgbClr val="808080"/>
-                </a:solidFill>
-                <a:effectLst/>
-                <a:latin typeface="Consolas" panose="020B0609020204030204" pitchFamily="49" charset="0"/>
-              </a:rPr>
-              <a:t>&gt;&lt;/</a:t>
-            </a:r>
-            <a:r>
-              <a:rPr lang="en-US" altLang="zh-TW" b="0" dirty="0">
-                <a:solidFill>
-                  <a:srgbClr val="569CD6"/>
-                </a:solidFill>
-                <a:effectLst/>
-                <a:latin typeface="Consolas" panose="020B0609020204030204" pitchFamily="49" charset="0"/>
-              </a:rPr>
-              <a:t>iframe</a:t>
-            </a:r>
-            <a:r>
-              <a:rPr lang="en-US" altLang="zh-TW" b="0" dirty="0">
-                <a:solidFill>
-                  <a:srgbClr val="808080"/>
-                </a:solidFill>
-                <a:effectLst/>
-                <a:latin typeface="Consolas" panose="020B0609020204030204" pitchFamily="49" charset="0"/>
-              </a:rPr>
-              <a:t>&gt;</a:t>
-            </a:r>
-            <a:endParaRPr lang="en-US" altLang="zh-TW" b="0" dirty="0">
-              <a:solidFill>
-                <a:srgbClr val="D4D4D4"/>
-              </a:solidFill>
-              <a:effectLst/>
-              <a:latin typeface="Consolas" panose="020B0609020204030204" pitchFamily="49" charset="0"/>
-            </a:endParaRPr>
+              <a:t>);</a:t>
+            </a:r>
           </a:p>
           <a:p>
             <a:endParaRPr lang="zh-TW" altLang="en-US" dirty="0"/>
@@ -8391,7 +7708,7 @@
     </p:spTree>
     <p:extLst>
       <p:ext uri="{BB962C8B-B14F-4D97-AF65-F5344CB8AC3E}">
-        <p14:creationId xmlns:p14="http://schemas.microsoft.com/office/powerpoint/2010/main" val="12921381"/>
+        <p14:creationId xmlns:p14="http://schemas.microsoft.com/office/powerpoint/2010/main" val="768124673"/>
       </p:ext>
     </p:extLst>
   </p:cSld>
@@ -8423,7 +7740,7 @@
           <p:cNvPr id="2" name="標題 1">
             <a:extLst>
               <a:ext uri="{FF2B5EF4-FFF2-40B4-BE49-F238E27FC236}">
-                <a16:creationId xmlns:a16="http://schemas.microsoft.com/office/drawing/2014/main" id="{B3B0DE92-FAE2-4DE5-9BCB-52248AAF7F09}"/>
+                <a16:creationId xmlns:a16="http://schemas.microsoft.com/office/drawing/2014/main" id="{51C15238-A688-4A90-8216-13D376110467}"/>
               </a:ext>
             </a:extLst>
           </p:cNvPr>
@@ -8441,12 +7758,9 @@
           <a:p>
             <a:r>
               <a:rPr lang="en-US" altLang="zh-TW" dirty="0"/>
-              <a:t>CSS</a:t>
-            </a:r>
-            <a:r>
-              <a:rPr lang="zh-TW" altLang="en-US" dirty="0"/>
-              <a:t>開場及文字動畫</a:t>
-            </a:r>
+              <a:t>event</a:t>
+            </a:r>
+            <a:endParaRPr lang="zh-TW" altLang="en-US" dirty="0"/>
           </a:p>
         </p:txBody>
       </p:sp>
@@ -8455,7 +7769,7 @@
           <p:cNvPr id="3" name="內容版面配置區 2">
             <a:extLst>
               <a:ext uri="{FF2B5EF4-FFF2-40B4-BE49-F238E27FC236}">
-                <a16:creationId xmlns:a16="http://schemas.microsoft.com/office/drawing/2014/main" id="{6150616E-25DF-45AE-BEE0-08BF2B6640E9}"/>
+                <a16:creationId xmlns:a16="http://schemas.microsoft.com/office/drawing/2014/main" id="{098D2221-8BE6-453A-9E18-B4DB77E3C255}"/>
               </a:ext>
             </a:extLst>
           </p:cNvPr>
@@ -8472,6 +7786,16 @@
           <a:lstStyle/>
           <a:p>
             <a:r>
+              <a:rPr lang="en-US" altLang="zh-TW" b="0" dirty="0">
+                <a:solidFill>
+                  <a:srgbClr val="808080"/>
+                </a:solidFill>
+                <a:effectLst/>
+                <a:latin typeface="Consolas" panose="020B0609020204030204" pitchFamily="49" charset="0"/>
+              </a:rPr>
+              <a:t>onclick</a:t>
+            </a:r>
+            <a:r>
               <a:rPr lang="zh-TW" altLang="en-US" b="0" dirty="0">
                 <a:solidFill>
                   <a:srgbClr val="808080"/>
@@ -8479,17 +7803,27 @@
                 <a:effectLst/>
                 <a:latin typeface="Consolas" panose="020B0609020204030204" pitchFamily="49" charset="0"/>
               </a:rPr>
-              <a:t>先導入這個</a:t>
-            </a:r>
-            <a:r>
-              <a:rPr lang="en-US" altLang="zh-TW" b="0" dirty="0" err="1">
+              <a:t>再點擊圖片超連結時</a:t>
+            </a:r>
+            <a:r>
+              <a:rPr lang="en-US" altLang="zh-TW" b="0" dirty="0">
                 <a:solidFill>
                   <a:srgbClr val="808080"/>
                 </a:solidFill>
                 <a:effectLst/>
                 <a:latin typeface="Consolas" panose="020B0609020204030204" pitchFamily="49" charset="0"/>
               </a:rPr>
-              <a:t>css</a:t>
+              <a:t>,</a:t>
+            </a:r>
+            <a:r>
+              <a:rPr lang="zh-TW" altLang="en-US" b="0" dirty="0">
+                <a:solidFill>
+                  <a:srgbClr val="808080"/>
+                </a:solidFill>
+                <a:effectLst/>
+                <a:latin typeface="Consolas" panose="020B0609020204030204" pitchFamily="49" charset="0"/>
+              </a:rPr>
+              <a:t>同時秀出球員名字及個人榮譽</a:t>
             </a:r>
             <a:endParaRPr lang="en-US" altLang="zh-TW" b="0" dirty="0">
               <a:solidFill>
@@ -8518,7 +7852,7 @@
                 <a:effectLst/>
                 <a:latin typeface="Consolas" panose="020B0609020204030204" pitchFamily="49" charset="0"/>
               </a:rPr>
-              <a:t>link</a:t>
+              <a:t>a</a:t>
             </a:r>
             <a:r>
               <a:rPr lang="en-US" altLang="zh-TW" b="0" dirty="0">
@@ -8538,7 +7872,7 @@
                 <a:effectLst/>
                 <a:latin typeface="Consolas" panose="020B0609020204030204" pitchFamily="49" charset="0"/>
               </a:rPr>
-              <a:t>rel</a:t>
+              <a:t>href</a:t>
             </a:r>
             <a:r>
               <a:rPr lang="en-US" altLang="zh-TW" b="0" dirty="0">
@@ -8558,7 +7892,7 @@
                 <a:effectLst/>
                 <a:latin typeface="Consolas" panose="020B0609020204030204" pitchFamily="49" charset="0"/>
               </a:rPr>
-              <a:t>"stylesheet"</a:t>
+              <a:t>"player1.html"</a:t>
             </a:r>
             <a:r>
               <a:rPr lang="en-US" altLang="zh-TW" b="0" dirty="0">
@@ -8571,14 +7905,74 @@
               <a:t> </a:t>
             </a:r>
             <a:r>
+              <a:rPr lang="en-US" altLang="zh-TW" b="0" dirty="0">
+                <a:solidFill>
+                  <a:srgbClr val="9CDCFE"/>
+                </a:solidFill>
+                <a:effectLst/>
+                <a:latin typeface="Consolas" panose="020B0609020204030204" pitchFamily="49" charset="0"/>
+              </a:rPr>
+              <a:t>target</a:t>
+            </a:r>
+            <a:r>
+              <a:rPr lang="en-US" altLang="zh-TW" b="0" dirty="0">
+                <a:solidFill>
+                  <a:srgbClr val="D4D4D4"/>
+                </a:solidFill>
+                <a:effectLst/>
+                <a:latin typeface="Consolas" panose="020B0609020204030204" pitchFamily="49" charset="0"/>
+              </a:rPr>
+              <a:t>=</a:t>
+            </a:r>
+            <a:r>
+              <a:rPr lang="en-US" altLang="zh-TW" b="0" dirty="0">
+                <a:solidFill>
+                  <a:srgbClr val="CE9178"/>
+                </a:solidFill>
+                <a:effectLst/>
+                <a:latin typeface="Consolas" panose="020B0609020204030204" pitchFamily="49" charset="0"/>
+              </a:rPr>
+              <a:t>"_blank"</a:t>
+            </a:r>
+            <a:r>
+              <a:rPr lang="en-US" altLang="zh-TW" b="0" dirty="0">
+                <a:solidFill>
+                  <a:srgbClr val="808080"/>
+                </a:solidFill>
+                <a:effectLst/>
+                <a:latin typeface="Consolas" panose="020B0609020204030204" pitchFamily="49" charset="0"/>
+              </a:rPr>
+              <a:t>&gt;&lt;</a:t>
+            </a:r>
+            <a:r>
               <a:rPr lang="en-US" altLang="zh-TW" b="0" dirty="0" err="1">
                 <a:solidFill>
+                  <a:srgbClr val="569CD6"/>
+                </a:solidFill>
+                <a:effectLst/>
+                <a:latin typeface="Consolas" panose="020B0609020204030204" pitchFamily="49" charset="0"/>
+              </a:rPr>
+              <a:t>img</a:t>
+            </a:r>
+            <a:r>
+              <a:rPr lang="en-US" altLang="zh-TW" b="0" dirty="0">
+                <a:solidFill>
+                  <a:srgbClr val="D4D4D4"/>
+                </a:solidFill>
+                <a:effectLst/>
+                <a:latin typeface="Consolas" panose="020B0609020204030204" pitchFamily="49" charset="0"/>
+              </a:rPr>
+              <a:t> </a:t>
+            </a:r>
+            <a:r>
+              <a:rPr lang="en-US" altLang="zh-TW" b="0" dirty="0" err="1">
+                <a:solidFill>
                   <a:srgbClr val="9CDCFE"/>
                 </a:solidFill>
                 <a:effectLst/>
                 <a:latin typeface="Consolas" panose="020B0609020204030204" pitchFamily="49" charset="0"/>
               </a:rPr>
-              <a:t>href</a:t>
+              <a:t>src</a:t>
             </a:r>
             <a:r>
               <a:rPr lang="en-US" altLang="zh-TW" b="0" dirty="0">
@@ -8598,7 +7992,67 @@
                 <a:effectLst/>
                 <a:latin typeface="Consolas" panose="020B0609020204030204" pitchFamily="49" charset="0"/>
               </a:rPr>
-              <a:t>"https://cdnjs.cloudflare.com/ajax/libs/animate.css/3.7.2/animate.min.css"</a:t>
+              <a:t>"player1.jpg"</a:t>
+            </a:r>
+            <a:r>
+              <a:rPr lang="en-US" altLang="zh-TW" b="0" dirty="0">
+                <a:solidFill>
+                  <a:srgbClr val="D4D4D4"/>
+                </a:solidFill>
+                <a:effectLst/>
+                <a:latin typeface="Consolas" panose="020B0609020204030204" pitchFamily="49" charset="0"/>
+              </a:rPr>
+              <a:t> </a:t>
+            </a:r>
+            <a:r>
+              <a:rPr lang="en-US" altLang="zh-TW" b="0" dirty="0">
+                <a:solidFill>
+                  <a:srgbClr val="9CDCFE"/>
+                </a:solidFill>
+                <a:effectLst/>
+                <a:latin typeface="Consolas" panose="020B0609020204030204" pitchFamily="49" charset="0"/>
+              </a:rPr>
+              <a:t>onclick</a:t>
+            </a:r>
+            <a:r>
+              <a:rPr lang="en-US" altLang="zh-TW" b="0" dirty="0">
+                <a:solidFill>
+                  <a:srgbClr val="D4D4D4"/>
+                </a:solidFill>
+                <a:effectLst/>
+                <a:latin typeface="Consolas" panose="020B0609020204030204" pitchFamily="49" charset="0"/>
+              </a:rPr>
+              <a:t>=</a:t>
+            </a:r>
+            <a:r>
+              <a:rPr lang="en-US" altLang="zh-TW" b="0" dirty="0">
+                <a:solidFill>
+                  <a:srgbClr val="CE9178"/>
+                </a:solidFill>
+                <a:effectLst/>
+                <a:latin typeface="Consolas" panose="020B0609020204030204" pitchFamily="49" charset="0"/>
+              </a:rPr>
+              <a:t>"</a:t>
+            </a:r>
+            <a:r>
+              <a:rPr lang="en-US" altLang="zh-TW" b="0" dirty="0">
+                <a:solidFill>
+                  <a:srgbClr val="DCDCAA"/>
+                </a:solidFill>
+                <a:effectLst/>
+                <a:latin typeface="Consolas" panose="020B0609020204030204" pitchFamily="49" charset="0"/>
+              </a:rPr>
+              <a:t>player1click</a:t>
+            </a:r>
+            <a:r>
+              <a:rPr lang="en-US" altLang="zh-TW" b="0" dirty="0">
+                <a:solidFill>
+                  <a:srgbClr val="CE9178"/>
+                </a:solidFill>
+                <a:effectLst/>
+                <a:latin typeface="Consolas" panose="020B0609020204030204" pitchFamily="49" charset="0"/>
+              </a:rPr>
+              <a:t>()"</a:t>
             </a:r>
             <a:r>
               <a:rPr lang="en-US" altLang="zh-TW" b="0" dirty="0">
@@ -8615,191 +8069,101 @@
             <a:r>
               <a:rPr lang="en-US" altLang="zh-TW" b="0" dirty="0">
                 <a:solidFill>
+                  <a:srgbClr val="569CD6"/>
+                </a:solidFill>
+                <a:effectLst/>
+                <a:latin typeface="Consolas" panose="020B0609020204030204" pitchFamily="49" charset="0"/>
+              </a:rPr>
+              <a:t>function</a:t>
+            </a:r>
+            <a:r>
+              <a:rPr lang="en-US" altLang="zh-TW" b="0" dirty="0">
+                <a:solidFill>
                   <a:srgbClr val="D4D4D4"/>
                 </a:solidFill>
                 <a:effectLst/>
                 <a:latin typeface="Consolas" panose="020B0609020204030204" pitchFamily="49" charset="0"/>
-                <a:hlinkClick r:id="rId2"/>
-              </a:rPr>
-              <a:t>https://animate.</a:t>
-            </a:r>
-            <a:r>
-              <a:rPr lang="en-US" altLang="zh-TW" b="0">
+              </a:rPr>
+              <a:t> </a:t>
+            </a:r>
+            <a:r>
+              <a:rPr lang="en-US" altLang="zh-TW" b="0" dirty="0">
+                <a:solidFill>
+                  <a:srgbClr val="DCDCAA"/>
+                </a:solidFill>
+                <a:effectLst/>
+                <a:latin typeface="Consolas" panose="020B0609020204030204" pitchFamily="49" charset="0"/>
+              </a:rPr>
+              <a:t>player1click</a:t>
+            </a:r>
+            <a:r>
+              <a:rPr lang="en-US" altLang="zh-TW" b="0" dirty="0">
                 <a:solidFill>
                   <a:srgbClr val="D4D4D4"/>
                 </a:solidFill>
                 <a:effectLst/>
                 <a:latin typeface="Consolas" panose="020B0609020204030204" pitchFamily="49" charset="0"/>
-                <a:hlinkClick r:id="rId2"/>
-              </a:rPr>
-              <a:t>style</a:t>
-            </a:r>
-            <a:r>
-              <a:rPr lang="en-US" altLang="zh-TW" b="0">
+              </a:rPr>
+              <a:t>() {</a:t>
+            </a:r>
+          </a:p>
+          <a:p>
+            <a:r>
+              <a:rPr lang="zh-TW" altLang="en-US" b="0" dirty="0">
                 <a:solidFill>
                   <a:srgbClr val="D4D4D4"/>
                 </a:solidFill>
                 <a:effectLst/>
                 <a:latin typeface="Consolas" panose="020B0609020204030204" pitchFamily="49" charset="0"/>
               </a:rPr>
-              <a:t> </a:t>
-            </a:r>
-          </a:p>
-          <a:p>
-            <a:r>
-              <a:rPr lang="en-US" altLang="zh-TW" b="0">
+              <a:t>　          </a:t>
+            </a:r>
+            <a:r>
+              <a:rPr lang="en-US" altLang="zh-TW" b="0" dirty="0">
+                <a:solidFill>
+                  <a:srgbClr val="DCDCAA"/>
+                </a:solidFill>
+                <a:effectLst/>
+                <a:latin typeface="Consolas" panose="020B0609020204030204" pitchFamily="49" charset="0"/>
+              </a:rPr>
+              <a:t>alert</a:t>
+            </a:r>
+            <a:r>
+              <a:rPr lang="en-US" altLang="zh-TW" b="0" dirty="0">
                 <a:solidFill>
                   <a:srgbClr val="D4D4D4"/>
                 </a:solidFill>
                 <a:effectLst/>
                 <a:latin typeface="Consolas" panose="020B0609020204030204" pitchFamily="49" charset="0"/>
               </a:rPr>
-              <a:t>   </a:t>
-            </a:r>
-            <a:r>
-              <a:rPr lang="en-US" altLang="zh-TW" b="0" dirty="0">
-                <a:solidFill>
-                  <a:srgbClr val="9CDCFE"/>
-                </a:solidFill>
-                <a:effectLst/>
-                <a:latin typeface="Consolas" panose="020B0609020204030204" pitchFamily="49" charset="0"/>
-              </a:rPr>
-              <a:t>animation</a:t>
-            </a:r>
-            <a:r>
-              <a:rPr lang="en-US" altLang="zh-TW" b="0" dirty="0">
-                <a:solidFill>
-                  <a:srgbClr val="D4D4D4"/>
-                </a:solidFill>
-                <a:effectLst/>
-                <a:latin typeface="Consolas" panose="020B0609020204030204" pitchFamily="49" charset="0"/>
-              </a:rPr>
-              <a:t>: </a:t>
-            </a:r>
-            <a:r>
-              <a:rPr lang="en-US" altLang="zh-TW" b="0" dirty="0" err="1">
-                <a:solidFill>
-                  <a:srgbClr val="D4D4D4"/>
-                </a:solidFill>
-                <a:effectLst/>
-                <a:latin typeface="Consolas" panose="020B0609020204030204" pitchFamily="49" charset="0"/>
-              </a:rPr>
-              <a:t>bounceInUp</a:t>
-            </a:r>
-            <a:r>
-              <a:rPr lang="en-US" altLang="zh-TW" b="0" dirty="0">
-                <a:solidFill>
-                  <a:srgbClr val="D4D4D4"/>
-                </a:solidFill>
-                <a:effectLst/>
-                <a:latin typeface="Consolas" panose="020B0609020204030204" pitchFamily="49" charset="0"/>
-              </a:rPr>
-              <a:t>;</a:t>
-            </a:r>
-          </a:p>
-          <a:p>
-            <a:r>
-              <a:rPr lang="en-US" altLang="zh-TW" b="0" dirty="0">
-                <a:solidFill>
-                  <a:srgbClr val="D4D4D4"/>
-                </a:solidFill>
-                <a:effectLst/>
-                <a:latin typeface="Consolas" panose="020B0609020204030204" pitchFamily="49" charset="0"/>
-              </a:rPr>
-              <a:t>   </a:t>
-            </a:r>
-            <a:r>
-              <a:rPr lang="en-US" altLang="zh-TW" b="0" dirty="0">
-                <a:solidFill>
-                  <a:srgbClr val="9CDCFE"/>
-                </a:solidFill>
-                <a:effectLst/>
-                <a:latin typeface="Consolas" panose="020B0609020204030204" pitchFamily="49" charset="0"/>
-              </a:rPr>
-              <a:t>animation-duration</a:t>
-            </a:r>
-            <a:r>
-              <a:rPr lang="en-US" altLang="zh-TW" b="0" dirty="0">
-                <a:solidFill>
-                  <a:srgbClr val="D4D4D4"/>
-                </a:solidFill>
-                <a:effectLst/>
-                <a:latin typeface="Consolas" panose="020B0609020204030204" pitchFamily="49" charset="0"/>
-              </a:rPr>
-              <a:t>: </a:t>
-            </a:r>
-            <a:r>
-              <a:rPr lang="en-US" altLang="zh-TW" b="0" dirty="0">
-                <a:solidFill>
-                  <a:srgbClr val="B5CEA8"/>
-                </a:solidFill>
-                <a:effectLst/>
-                <a:latin typeface="Consolas" panose="020B0609020204030204" pitchFamily="49" charset="0"/>
-              </a:rPr>
-              <a:t>2s</a:t>
-            </a:r>
-            <a:r>
-              <a:rPr lang="en-US" altLang="zh-TW" b="0" dirty="0">
-                <a:solidFill>
-                  <a:srgbClr val="D4D4D4"/>
-                </a:solidFill>
-                <a:effectLst/>
-                <a:latin typeface="Consolas" panose="020B0609020204030204" pitchFamily="49" charset="0"/>
-              </a:rPr>
-              <a:t>;</a:t>
-            </a:r>
-          </a:p>
-          <a:p>
-            <a:r>
-              <a:rPr lang="en-US" altLang="zh-TW" b="0" dirty="0">
-                <a:solidFill>
-                  <a:srgbClr val="D4D4D4"/>
-                </a:solidFill>
-                <a:effectLst/>
-                <a:latin typeface="Consolas" panose="020B0609020204030204" pitchFamily="49" charset="0"/>
-              </a:rPr>
-              <a:t>   </a:t>
-            </a:r>
-            <a:r>
-              <a:rPr lang="en-US" altLang="zh-TW" b="0" dirty="0" err="1">
-                <a:solidFill>
-                  <a:srgbClr val="9CDCFE"/>
-                </a:solidFill>
-                <a:effectLst/>
-                <a:latin typeface="Consolas" panose="020B0609020204030204" pitchFamily="49" charset="0"/>
-              </a:rPr>
-              <a:t>animation-fill-mode</a:t>
-            </a:r>
-            <a:r>
-              <a:rPr lang="en-US" altLang="zh-TW" b="0" dirty="0" err="1">
-                <a:solidFill>
-                  <a:srgbClr val="D4D4D4"/>
-                </a:solidFill>
-                <a:effectLst/>
-                <a:latin typeface="Consolas" panose="020B0609020204030204" pitchFamily="49" charset="0"/>
-              </a:rPr>
-              <a:t>:</a:t>
-            </a:r>
-            <a:r>
-              <a:rPr lang="en-US" altLang="zh-TW" b="0" dirty="0" err="1">
+              <a:t>(</a:t>
+            </a:r>
+            <a:r>
+              <a:rPr lang="en-US" altLang="zh-TW" b="0" dirty="0">
                 <a:solidFill>
                   <a:srgbClr val="CE9178"/>
                 </a:solidFill>
                 <a:effectLst/>
                 <a:latin typeface="Consolas" panose="020B0609020204030204" pitchFamily="49" charset="0"/>
               </a:rPr>
-              <a:t>backwards</a:t>
-            </a:r>
-            <a:r>
-              <a:rPr lang="en-US" altLang="zh-TW" b="0" dirty="0">
-                <a:solidFill>
-                  <a:srgbClr val="D4D4D4"/>
-                </a:solidFill>
-                <a:effectLst/>
-                <a:latin typeface="Consolas" panose="020B0609020204030204" pitchFamily="49" charset="0"/>
-              </a:rPr>
-              <a:t>;</a:t>
-            </a:r>
+              <a:t>“…”);}</a:t>
+            </a:r>
+            <a:endParaRPr lang="en-US" altLang="zh-TW" b="0" dirty="0">
+              <a:solidFill>
+                <a:srgbClr val="D4D4D4"/>
+              </a:solidFill>
+              <a:effectLst/>
+              <a:latin typeface="Consolas" panose="020B0609020204030204" pitchFamily="49" charset="0"/>
+            </a:endParaRPr>
+          </a:p>
+          <a:p>
+            <a:endParaRPr lang="en-US" altLang="zh-TW" b="0" dirty="0">
+              <a:solidFill>
+                <a:srgbClr val="D4D4D4"/>
+              </a:solidFill>
+              <a:effectLst/>
+              <a:latin typeface="Consolas" panose="020B0609020204030204" pitchFamily="49" charset="0"/>
+            </a:endParaRPr>
           </a:p>
           <a:p>
             <a:endParaRPr lang="zh-TW" altLang="en-US" dirty="0"/>
@@ -8809,7 +8173,7 @@
     </p:spTree>
     <p:extLst>
       <p:ext uri="{BB962C8B-B14F-4D97-AF65-F5344CB8AC3E}">
-        <p14:creationId xmlns:p14="http://schemas.microsoft.com/office/powerpoint/2010/main" val="2798263284"/>
+        <p14:creationId xmlns:p14="http://schemas.microsoft.com/office/powerpoint/2010/main" val="2558353064"/>
       </p:ext>
     </p:extLst>
   </p:cSld>
@@ -8841,7 +8205,7 @@
           <p:cNvPr id="2" name="標題 1">
             <a:extLst>
               <a:ext uri="{FF2B5EF4-FFF2-40B4-BE49-F238E27FC236}">
-                <a16:creationId xmlns:a16="http://schemas.microsoft.com/office/drawing/2014/main" id="{72F2D49A-E3F4-4AE0-A87F-6A3BC5E2DE79}"/>
+                <a16:creationId xmlns:a16="http://schemas.microsoft.com/office/drawing/2014/main" id="{53391034-A962-45AF-809F-2D10C941D7A7}"/>
               </a:ext>
             </a:extLst>
           </p:cNvPr>
@@ -8859,9 +8223,12 @@
           <a:p>
             <a:r>
               <a:rPr lang="en-US" altLang="zh-TW" dirty="0"/>
-              <a:t>Fetch</a:t>
-            </a:r>
-            <a:endParaRPr lang="zh-TW" altLang="en-US" dirty="0"/>
+              <a:t>CSS</a:t>
+            </a:r>
+            <a:r>
+              <a:rPr lang="zh-TW" altLang="en-US" dirty="0"/>
+              <a:t>的戰術動畫</a:t>
+            </a:r>
           </a:p>
         </p:txBody>
       </p:sp>
@@ -8870,7 +8237,7 @@
           <p:cNvPr id="3" name="內容版面配置區 2">
             <a:extLst>
               <a:ext uri="{FF2B5EF4-FFF2-40B4-BE49-F238E27FC236}">
-                <a16:creationId xmlns:a16="http://schemas.microsoft.com/office/drawing/2014/main" id="{563795F3-A25A-4EB7-934B-FE6A1B4DFCCE}"/>
+                <a16:creationId xmlns:a16="http://schemas.microsoft.com/office/drawing/2014/main" id="{B376EF35-04AC-45D2-9574-075112129E96}"/>
               </a:ext>
             </a:extLst>
           </p:cNvPr>
@@ -8886,479 +8253,14 @@
           <a:bodyPr/>
           <a:lstStyle/>
           <a:p>
-            <a:r>
-              <a:rPr lang="zh-TW" altLang="en-US" b="0" dirty="0">
-                <a:solidFill>
-                  <a:srgbClr val="FF0000"/>
-                </a:solidFill>
-                <a:effectLst/>
-                <a:latin typeface="Consolas" panose="020B0609020204030204" pitchFamily="49" charset="0"/>
-              </a:rPr>
-              <a:t>用</a:t>
-            </a:r>
-            <a:r>
-              <a:rPr lang="en-US" altLang="zh-TW" b="0" dirty="0">
-                <a:solidFill>
-                  <a:srgbClr val="FF0000"/>
-                </a:solidFill>
-                <a:effectLst/>
-                <a:latin typeface="Consolas" panose="020B0609020204030204" pitchFamily="49" charset="0"/>
-              </a:rPr>
-              <a:t>fetch</a:t>
-            </a:r>
-            <a:r>
-              <a:rPr lang="zh-TW" altLang="en-US" b="0" dirty="0">
-                <a:solidFill>
-                  <a:srgbClr val="FF0000"/>
-                </a:solidFill>
-                <a:effectLst/>
-                <a:latin typeface="Consolas" panose="020B0609020204030204" pitchFamily="49" charset="0"/>
-              </a:rPr>
-              <a:t>抓取</a:t>
-            </a:r>
-            <a:r>
-              <a:rPr lang="en-US" altLang="zh-TW" b="0" dirty="0" err="1">
-                <a:solidFill>
-                  <a:srgbClr val="FF0000"/>
-                </a:solidFill>
-                <a:effectLst/>
-                <a:latin typeface="Consolas" panose="020B0609020204030204" pitchFamily="49" charset="0"/>
-              </a:rPr>
-              <a:t>github</a:t>
-            </a:r>
-            <a:r>
-              <a:rPr lang="zh-TW" altLang="en-US" b="0" dirty="0">
-                <a:solidFill>
-                  <a:srgbClr val="FF0000"/>
-                </a:solidFill>
-                <a:effectLst/>
-                <a:latin typeface="Consolas" panose="020B0609020204030204" pitchFamily="49" charset="0"/>
-              </a:rPr>
-              <a:t>的</a:t>
-            </a:r>
-            <a:r>
-              <a:rPr lang="en-US" altLang="zh-TW" b="0" dirty="0">
-                <a:solidFill>
-                  <a:srgbClr val="FF0000"/>
-                </a:solidFill>
-                <a:effectLst/>
-                <a:latin typeface="Consolas" panose="020B0609020204030204" pitchFamily="49" charset="0"/>
-              </a:rPr>
-              <a:t>txt</a:t>
-            </a:r>
-            <a:r>
-              <a:rPr lang="zh-TW" altLang="en-US" b="0" dirty="0">
-                <a:solidFill>
-                  <a:srgbClr val="FF0000"/>
-                </a:solidFill>
-                <a:effectLst/>
-                <a:latin typeface="Consolas" panose="020B0609020204030204" pitchFamily="49" charset="0"/>
-              </a:rPr>
-              <a:t>檔再將其秀出</a:t>
-            </a:r>
-            <a:endParaRPr lang="en-US" altLang="zh-TW" b="0" dirty="0">
-              <a:solidFill>
-                <a:srgbClr val="FF0000"/>
-              </a:solidFill>
-              <a:effectLst/>
-              <a:latin typeface="Consolas" panose="020B0609020204030204" pitchFamily="49" charset="0"/>
-            </a:endParaRPr>
-          </a:p>
-          <a:p>
-            <a:r>
-              <a:rPr lang="en-US" altLang="zh-TW" b="0" dirty="0">
-                <a:solidFill>
-                  <a:srgbClr val="DCDCAA"/>
-                </a:solidFill>
-                <a:effectLst/>
-                <a:latin typeface="Consolas" panose="020B0609020204030204" pitchFamily="49" charset="0"/>
-              </a:rPr>
-              <a:t>fetch</a:t>
-            </a:r>
-            <a:r>
-              <a:rPr lang="en-US" altLang="zh-TW" b="0" dirty="0">
-                <a:solidFill>
-                  <a:srgbClr val="D4D4D4"/>
-                </a:solidFill>
-                <a:effectLst/>
-                <a:latin typeface="Consolas" panose="020B0609020204030204" pitchFamily="49" charset="0"/>
-              </a:rPr>
-              <a:t>(</a:t>
-            </a:r>
-            <a:r>
-              <a:rPr lang="en-US" altLang="zh-TW" b="0" dirty="0">
-                <a:solidFill>
-                  <a:srgbClr val="CE9178"/>
-                </a:solidFill>
-                <a:effectLst/>
-                <a:latin typeface="Consolas" panose="020B0609020204030204" pitchFamily="49" charset="0"/>
-              </a:rPr>
-              <a:t>'https://qq1456978523.github.io/tony/1976.txt'</a:t>
-            </a:r>
-            <a:r>
-              <a:rPr lang="en-US" altLang="zh-TW" b="0" dirty="0">
-                <a:solidFill>
-                  <a:srgbClr val="D4D4D4"/>
-                </a:solidFill>
-                <a:effectLst/>
-                <a:latin typeface="Consolas" panose="020B0609020204030204" pitchFamily="49" charset="0"/>
-              </a:rPr>
-              <a:t>)</a:t>
-            </a:r>
-          </a:p>
-          <a:p>
-            <a:r>
-              <a:rPr lang="en-US" altLang="zh-TW" b="0" dirty="0">
-                <a:solidFill>
-                  <a:srgbClr val="D4D4D4"/>
-                </a:solidFill>
-                <a:effectLst/>
-                <a:latin typeface="Consolas" panose="020B0609020204030204" pitchFamily="49" charset="0"/>
-              </a:rPr>
-              <a:t>                    .</a:t>
-            </a:r>
-            <a:r>
-              <a:rPr lang="en-US" altLang="zh-TW" b="0" dirty="0">
-                <a:solidFill>
-                  <a:srgbClr val="DCDCAA"/>
-                </a:solidFill>
-                <a:effectLst/>
-                <a:latin typeface="Consolas" panose="020B0609020204030204" pitchFamily="49" charset="0"/>
-              </a:rPr>
-              <a:t>then</a:t>
-            </a:r>
-            <a:r>
-              <a:rPr lang="en-US" altLang="zh-TW" b="0" dirty="0">
-                <a:solidFill>
-                  <a:srgbClr val="D4D4D4"/>
-                </a:solidFill>
-                <a:effectLst/>
-                <a:latin typeface="Consolas" panose="020B0609020204030204" pitchFamily="49" charset="0"/>
-              </a:rPr>
-              <a:t>(</a:t>
-            </a:r>
-            <a:r>
-              <a:rPr lang="en-US" altLang="zh-TW" b="0" dirty="0">
-                <a:solidFill>
-                  <a:srgbClr val="9CDCFE"/>
-                </a:solidFill>
-                <a:effectLst/>
-                <a:latin typeface="Consolas" panose="020B0609020204030204" pitchFamily="49" charset="0"/>
-              </a:rPr>
-              <a:t>resp</a:t>
-            </a:r>
-            <a:r>
-              <a:rPr lang="en-US" altLang="zh-TW" b="0" dirty="0">
-                <a:solidFill>
-                  <a:srgbClr val="D4D4D4"/>
-                </a:solidFill>
-                <a:effectLst/>
-                <a:latin typeface="Consolas" panose="020B0609020204030204" pitchFamily="49" charset="0"/>
-              </a:rPr>
-              <a:t> </a:t>
-            </a:r>
-            <a:r>
-              <a:rPr lang="en-US" altLang="zh-TW" b="0" dirty="0">
-                <a:solidFill>
-                  <a:srgbClr val="569CD6"/>
-                </a:solidFill>
-                <a:effectLst/>
-                <a:latin typeface="Consolas" panose="020B0609020204030204" pitchFamily="49" charset="0"/>
-              </a:rPr>
-              <a:t>=&gt;</a:t>
-            </a:r>
-            <a:r>
-              <a:rPr lang="en-US" altLang="zh-TW" b="0" dirty="0">
-                <a:solidFill>
-                  <a:srgbClr val="D4D4D4"/>
-                </a:solidFill>
-                <a:effectLst/>
-                <a:latin typeface="Consolas" panose="020B0609020204030204" pitchFamily="49" charset="0"/>
-              </a:rPr>
-              <a:t> </a:t>
-            </a:r>
-            <a:r>
-              <a:rPr lang="en-US" altLang="zh-TW" b="0" dirty="0" err="1">
-                <a:solidFill>
-                  <a:srgbClr val="9CDCFE"/>
-                </a:solidFill>
-                <a:effectLst/>
-                <a:latin typeface="Consolas" panose="020B0609020204030204" pitchFamily="49" charset="0"/>
-              </a:rPr>
-              <a:t>resp</a:t>
-            </a:r>
-            <a:r>
-              <a:rPr lang="en-US" altLang="zh-TW" b="0" dirty="0" err="1">
-                <a:solidFill>
-                  <a:srgbClr val="D4D4D4"/>
-                </a:solidFill>
-                <a:effectLst/>
-                <a:latin typeface="Consolas" panose="020B0609020204030204" pitchFamily="49" charset="0"/>
-              </a:rPr>
-              <a:t>.</a:t>
-            </a:r>
-            <a:r>
-              <a:rPr lang="en-US" altLang="zh-TW" b="0" dirty="0" err="1">
-                <a:solidFill>
-                  <a:srgbClr val="DCDCAA"/>
-                </a:solidFill>
-                <a:effectLst/>
-                <a:latin typeface="Consolas" panose="020B0609020204030204" pitchFamily="49" charset="0"/>
-              </a:rPr>
-              <a:t>text</a:t>
-            </a:r>
-            <a:r>
-              <a:rPr lang="en-US" altLang="zh-TW" b="0" dirty="0">
-                <a:solidFill>
-                  <a:srgbClr val="D4D4D4"/>
-                </a:solidFill>
-                <a:effectLst/>
-                <a:latin typeface="Consolas" panose="020B0609020204030204" pitchFamily="49" charset="0"/>
-              </a:rPr>
-              <a:t>())</a:t>
-            </a:r>
-          </a:p>
-          <a:p>
-            <a:r>
-              <a:rPr lang="en-US" altLang="zh-TW" b="0" dirty="0">
-                <a:solidFill>
-                  <a:srgbClr val="D4D4D4"/>
-                </a:solidFill>
-                <a:effectLst/>
-                <a:latin typeface="Consolas" panose="020B0609020204030204" pitchFamily="49" charset="0"/>
-              </a:rPr>
-              <a:t>                   .</a:t>
-            </a:r>
-            <a:r>
-              <a:rPr lang="en-US" altLang="zh-TW" b="0" dirty="0">
-                <a:solidFill>
-                  <a:srgbClr val="DCDCAA"/>
-                </a:solidFill>
-                <a:effectLst/>
-                <a:latin typeface="Consolas" panose="020B0609020204030204" pitchFamily="49" charset="0"/>
-              </a:rPr>
-              <a:t>then</a:t>
-            </a:r>
-            <a:r>
-              <a:rPr lang="en-US" altLang="zh-TW" b="0" dirty="0">
-                <a:solidFill>
-                  <a:srgbClr val="D4D4D4"/>
-                </a:solidFill>
-                <a:effectLst/>
-                <a:latin typeface="Consolas" panose="020B0609020204030204" pitchFamily="49" charset="0"/>
-              </a:rPr>
-              <a:t>(</a:t>
-            </a:r>
-            <a:r>
-              <a:rPr lang="en-US" altLang="zh-TW" b="0" dirty="0">
-                <a:solidFill>
-                  <a:srgbClr val="9CDCFE"/>
-                </a:solidFill>
-                <a:effectLst/>
-                <a:latin typeface="Consolas" panose="020B0609020204030204" pitchFamily="49" charset="0"/>
-              </a:rPr>
-              <a:t>text</a:t>
-            </a:r>
-            <a:r>
-              <a:rPr lang="en-US" altLang="zh-TW" b="0" dirty="0">
-                <a:solidFill>
-                  <a:srgbClr val="D4D4D4"/>
-                </a:solidFill>
-                <a:effectLst/>
-                <a:latin typeface="Consolas" panose="020B0609020204030204" pitchFamily="49" charset="0"/>
-              </a:rPr>
-              <a:t> </a:t>
-            </a:r>
-            <a:r>
-              <a:rPr lang="en-US" altLang="zh-TW" b="0" dirty="0">
-                <a:solidFill>
-                  <a:srgbClr val="569CD6"/>
-                </a:solidFill>
-                <a:effectLst/>
-                <a:latin typeface="Consolas" panose="020B0609020204030204" pitchFamily="49" charset="0"/>
-              </a:rPr>
-              <a:t>=&gt;</a:t>
-            </a:r>
-            <a:r>
-              <a:rPr lang="en-US" altLang="zh-TW" b="0" dirty="0">
-                <a:solidFill>
-                  <a:srgbClr val="D4D4D4"/>
-                </a:solidFill>
-                <a:effectLst/>
-                <a:latin typeface="Consolas" panose="020B0609020204030204" pitchFamily="49" charset="0"/>
-              </a:rPr>
-              <a:t> </a:t>
-            </a:r>
-            <a:r>
-              <a:rPr lang="en-US" altLang="zh-TW" b="0" dirty="0" err="1">
-                <a:solidFill>
-                  <a:srgbClr val="9CDCFE"/>
-                </a:solidFill>
-                <a:effectLst/>
-                <a:latin typeface="Consolas" panose="020B0609020204030204" pitchFamily="49" charset="0"/>
-              </a:rPr>
-              <a:t>document</a:t>
-            </a:r>
-            <a:r>
-              <a:rPr lang="en-US" altLang="zh-TW" b="0" dirty="0" err="1">
-                <a:solidFill>
-                  <a:srgbClr val="D4D4D4"/>
-                </a:solidFill>
-                <a:effectLst/>
-                <a:latin typeface="Consolas" panose="020B0609020204030204" pitchFamily="49" charset="0"/>
-              </a:rPr>
-              <a:t>.</a:t>
-            </a:r>
-            <a:r>
-              <a:rPr lang="en-US" altLang="zh-TW" b="0" dirty="0" err="1">
-                <a:solidFill>
-                  <a:srgbClr val="DCDCAA"/>
-                </a:solidFill>
-                <a:effectLst/>
-                <a:latin typeface="Consolas" panose="020B0609020204030204" pitchFamily="49" charset="0"/>
-              </a:rPr>
-              <a:t>getElementById</a:t>
-            </a:r>
-            <a:r>
-              <a:rPr lang="en-US" altLang="zh-TW" b="0" dirty="0">
-                <a:solidFill>
-                  <a:srgbClr val="D4D4D4"/>
-                </a:solidFill>
-                <a:effectLst/>
-                <a:latin typeface="Consolas" panose="020B0609020204030204" pitchFamily="49" charset="0"/>
-              </a:rPr>
-              <a:t>(</a:t>
-            </a:r>
-            <a:r>
-              <a:rPr lang="en-US" altLang="zh-TW" b="0" dirty="0">
-                <a:solidFill>
-                  <a:srgbClr val="CE9178"/>
-                </a:solidFill>
-                <a:effectLst/>
-                <a:latin typeface="Consolas" panose="020B0609020204030204" pitchFamily="49" charset="0"/>
-              </a:rPr>
-              <a:t>'</a:t>
-            </a:r>
-            <a:r>
-              <a:rPr lang="en-US" altLang="zh-TW" b="0" dirty="0" err="1">
-                <a:solidFill>
-                  <a:srgbClr val="CE9178"/>
-                </a:solidFill>
-                <a:effectLst/>
-                <a:latin typeface="Consolas" panose="020B0609020204030204" pitchFamily="49" charset="0"/>
-              </a:rPr>
-              <a:t>tabl</a:t>
-            </a:r>
-            <a:r>
-              <a:rPr lang="en-US" altLang="zh-TW" b="0" dirty="0">
-                <a:solidFill>
-                  <a:srgbClr val="CE9178"/>
-                </a:solidFill>
-                <a:effectLst/>
-                <a:latin typeface="Consolas" panose="020B0609020204030204" pitchFamily="49" charset="0"/>
-              </a:rPr>
-              <a:t>							e'</a:t>
-            </a:r>
-            <a:r>
-              <a:rPr lang="en-US" altLang="zh-TW" b="0" dirty="0">
-                <a:solidFill>
-                  <a:srgbClr val="D4D4D4"/>
-                </a:solidFill>
-                <a:effectLst/>
-                <a:latin typeface="Consolas" panose="020B0609020204030204" pitchFamily="49" charset="0"/>
-              </a:rPr>
-              <a:t>).</a:t>
-            </a:r>
-            <a:r>
-              <a:rPr lang="en-US" altLang="zh-TW" b="0" dirty="0" err="1">
-                <a:solidFill>
-                  <a:srgbClr val="9CDCFE"/>
-                </a:solidFill>
-                <a:effectLst/>
-                <a:latin typeface="Consolas" panose="020B0609020204030204" pitchFamily="49" charset="0"/>
-              </a:rPr>
-              <a:t>innerHTML</a:t>
-            </a:r>
-            <a:r>
-              <a:rPr lang="en-US" altLang="zh-TW" b="0" dirty="0">
-                <a:solidFill>
-                  <a:srgbClr val="D4D4D4"/>
-                </a:solidFill>
-                <a:effectLst/>
-                <a:latin typeface="Consolas" panose="020B0609020204030204" pitchFamily="49" charset="0"/>
-              </a:rPr>
-              <a:t> = </a:t>
-            </a:r>
-            <a:r>
-              <a:rPr lang="en-US" altLang="zh-TW" b="0" dirty="0">
-                <a:solidFill>
-                  <a:srgbClr val="CE9178"/>
-                </a:solidFill>
-                <a:effectLst/>
-                <a:latin typeface="Consolas" panose="020B0609020204030204" pitchFamily="49" charset="0"/>
-              </a:rPr>
-              <a:t>"&lt;p&gt;"</a:t>
-            </a:r>
-            <a:r>
-              <a:rPr lang="en-US" altLang="zh-TW" b="0" dirty="0">
-                <a:solidFill>
-                  <a:srgbClr val="D4D4D4"/>
-                </a:solidFill>
-                <a:effectLst/>
-                <a:latin typeface="Consolas" panose="020B0609020204030204" pitchFamily="49" charset="0"/>
-              </a:rPr>
-              <a:t>+</a:t>
-            </a:r>
-            <a:r>
-              <a:rPr lang="en-US" altLang="zh-TW" b="0" dirty="0">
-                <a:solidFill>
-                  <a:srgbClr val="9CDCFE"/>
-                </a:solidFill>
-                <a:effectLst/>
-                <a:latin typeface="Consolas" panose="020B0609020204030204" pitchFamily="49" charset="0"/>
-              </a:rPr>
-              <a:t>text</a:t>
-            </a:r>
-            <a:r>
-              <a:rPr lang="en-US" altLang="zh-TW" b="0" dirty="0">
-                <a:solidFill>
-                  <a:srgbClr val="D4D4D4"/>
-                </a:solidFill>
-                <a:effectLst/>
-                <a:latin typeface="Consolas" panose="020B0609020204030204" pitchFamily="49" charset="0"/>
-              </a:rPr>
-              <a:t>+</a:t>
-            </a:r>
-            <a:r>
-              <a:rPr lang="en-US" altLang="zh-TW" b="0" dirty="0">
-                <a:solidFill>
-                  <a:srgbClr val="CE9178"/>
-                </a:solidFill>
-                <a:effectLst/>
-                <a:latin typeface="Consolas" panose="020B0609020204030204" pitchFamily="49" charset="0"/>
-              </a:rPr>
-              <a:t>"&lt;/p&gt;"</a:t>
-            </a:r>
-            <a:r>
-              <a:rPr lang="en-US" altLang="zh-TW" b="0" dirty="0">
-                <a:solidFill>
-                  <a:srgbClr val="D4D4D4"/>
-                </a:solidFill>
-                <a:effectLst/>
-                <a:latin typeface="Consolas" panose="020B0609020204030204" pitchFamily="49" charset="0"/>
-              </a:rPr>
-              <a:t>);</a:t>
-            </a:r>
-          </a:p>
-          <a:p>
-            <a:endParaRPr lang="zh-TW" altLang="en-US" dirty="0"/>
+            <a:endParaRPr lang="zh-TW" altLang="en-US"/>
           </a:p>
         </p:txBody>
       </p:sp>
     </p:spTree>
     <p:extLst>
       <p:ext uri="{BB962C8B-B14F-4D97-AF65-F5344CB8AC3E}">
-        <p14:creationId xmlns:p14="http://schemas.microsoft.com/office/powerpoint/2010/main" val="768124673"/>
+        <p14:creationId xmlns:p14="http://schemas.microsoft.com/office/powerpoint/2010/main" val="3634047473"/>
       </p:ext>
     </p:extLst>
   </p:cSld>
@@ -9390,7 +8292,7 @@
           <p:cNvPr id="2" name="標題 1">
             <a:extLst>
               <a:ext uri="{FF2B5EF4-FFF2-40B4-BE49-F238E27FC236}">
-                <a16:creationId xmlns:a16="http://schemas.microsoft.com/office/drawing/2014/main" id="{51C15238-A688-4A90-8216-13D376110467}"/>
+                <a16:creationId xmlns:a16="http://schemas.microsoft.com/office/drawing/2014/main" id="{96C2085A-094B-4C1C-BF82-8C77D9805D2C}"/>
               </a:ext>
             </a:extLst>
           </p:cNvPr>
@@ -9407,10 +8309,9 @@
           <a:lstStyle/>
           <a:p>
             <a:r>
-              <a:rPr lang="en-US" altLang="zh-TW" dirty="0"/>
-              <a:t>event</a:t>
-            </a:r>
-            <a:endParaRPr lang="zh-TW" altLang="en-US" dirty="0"/>
+              <a:rPr lang="zh-TW" altLang="en-US" dirty="0"/>
+              <a:t>參考資料</a:t>
+            </a:r>
           </a:p>
         </p:txBody>
       </p:sp>
@@ -9419,7 +8320,7 @@
           <p:cNvPr id="3" name="內容版面配置區 2">
             <a:extLst>
               <a:ext uri="{FF2B5EF4-FFF2-40B4-BE49-F238E27FC236}">
-                <a16:creationId xmlns:a16="http://schemas.microsoft.com/office/drawing/2014/main" id="{098D2221-8BE6-453A-9E18-B4DB77E3C255}"/>
+                <a16:creationId xmlns:a16="http://schemas.microsoft.com/office/drawing/2014/main" id="{91E1CB90-1C75-4E95-8E3F-4BE729AC1A3A}"/>
               </a:ext>
             </a:extLst>
           </p:cNvPr>
@@ -9436,386 +8337,50 @@
           <a:lstStyle/>
           <a:p>
             <a:r>
-              <a:rPr lang="en-US" altLang="zh-TW" b="0" dirty="0">
-                <a:solidFill>
-                  <a:srgbClr val="808080"/>
-                </a:solidFill>
-                <a:effectLst/>
-                <a:latin typeface="Consolas" panose="020B0609020204030204" pitchFamily="49" charset="0"/>
-              </a:rPr>
-              <a:t>onclick</a:t>
-            </a:r>
-            <a:r>
-              <a:rPr lang="zh-TW" altLang="en-US" b="0" dirty="0">
-                <a:solidFill>
-                  <a:srgbClr val="808080"/>
-                </a:solidFill>
-                <a:effectLst/>
-                <a:latin typeface="Consolas" panose="020B0609020204030204" pitchFamily="49" charset="0"/>
-              </a:rPr>
-              <a:t>再點擊圖片超連結時</a:t>
-            </a:r>
-            <a:r>
-              <a:rPr lang="en-US" altLang="zh-TW" b="0" dirty="0">
-                <a:solidFill>
-                  <a:srgbClr val="808080"/>
-                </a:solidFill>
-                <a:effectLst/>
-                <a:latin typeface="Consolas" panose="020B0609020204030204" pitchFamily="49" charset="0"/>
-              </a:rPr>
-              <a:t>,</a:t>
-            </a:r>
-            <a:r>
-              <a:rPr lang="zh-TW" altLang="en-US" b="0" dirty="0">
-                <a:solidFill>
-                  <a:srgbClr val="808080"/>
-                </a:solidFill>
-                <a:effectLst/>
-                <a:latin typeface="Consolas" panose="020B0609020204030204" pitchFamily="49" charset="0"/>
-              </a:rPr>
-              <a:t>同時秀出球員名字及個人榮譽</a:t>
-            </a:r>
-            <a:endParaRPr lang="en-US" altLang="zh-TW" b="0" dirty="0">
-              <a:solidFill>
-                <a:srgbClr val="808080"/>
-              </a:solidFill>
-              <a:effectLst/>
-              <a:latin typeface="Consolas" panose="020B0609020204030204" pitchFamily="49" charset="0"/>
-            </a:endParaRPr>
-          </a:p>
-          <a:p>
-            <a:r>
-              <a:rPr lang="en-US" altLang="zh-TW" b="0" dirty="0">
-                <a:solidFill>
-                  <a:srgbClr val="808080"/>
-                </a:solidFill>
-                <a:effectLst/>
-                <a:latin typeface="Consolas" panose="020B0609020204030204" pitchFamily="49" charset="0"/>
-              </a:rPr>
-              <a:t>&lt;</a:t>
-            </a:r>
-            <a:r>
-              <a:rPr lang="en-US" altLang="zh-TW" b="0" dirty="0">
-                <a:solidFill>
-                  <a:srgbClr val="569CD6"/>
-                </a:solidFill>
-                <a:effectLst/>
-                <a:latin typeface="Consolas" panose="020B0609020204030204" pitchFamily="49" charset="0"/>
-              </a:rPr>
-              <a:t>a</a:t>
-            </a:r>
-            <a:r>
-              <a:rPr lang="en-US" altLang="zh-TW" b="0" dirty="0">
-                <a:solidFill>
-                  <a:srgbClr val="D4D4D4"/>
-                </a:solidFill>
-                <a:effectLst/>
-                <a:latin typeface="Consolas" panose="020B0609020204030204" pitchFamily="49" charset="0"/>
-              </a:rPr>
-              <a:t> </a:t>
-            </a:r>
-            <a:r>
-              <a:rPr lang="en-US" altLang="zh-TW" b="0" dirty="0" err="1">
-                <a:solidFill>
-                  <a:srgbClr val="9CDCFE"/>
-                </a:solidFill>
-                <a:effectLst/>
-                <a:latin typeface="Consolas" panose="020B0609020204030204" pitchFamily="49" charset="0"/>
-              </a:rPr>
-              <a:t>href</a:t>
-            </a:r>
-            <a:r>
-              <a:rPr lang="en-US" altLang="zh-TW" b="0" dirty="0">
-                <a:solidFill>
-                  <a:srgbClr val="D4D4D4"/>
-                </a:solidFill>
-                <a:effectLst/>
-                <a:latin typeface="Consolas" panose="020B0609020204030204" pitchFamily="49" charset="0"/>
-              </a:rPr>
-              <a:t>=</a:t>
-            </a:r>
-            <a:r>
-              <a:rPr lang="en-US" altLang="zh-TW" b="0" dirty="0">
-                <a:solidFill>
-                  <a:srgbClr val="CE9178"/>
-                </a:solidFill>
-                <a:effectLst/>
-                <a:latin typeface="Consolas" panose="020B0609020204030204" pitchFamily="49" charset="0"/>
-              </a:rPr>
-              <a:t>"player1.html"</a:t>
-            </a:r>
-            <a:r>
-              <a:rPr lang="en-US" altLang="zh-TW" b="0" dirty="0">
-                <a:solidFill>
-                  <a:srgbClr val="D4D4D4"/>
-                </a:solidFill>
-                <a:effectLst/>
-                <a:latin typeface="Consolas" panose="020B0609020204030204" pitchFamily="49" charset="0"/>
-              </a:rPr>
-              <a:t> </a:t>
-            </a:r>
-            <a:r>
-              <a:rPr lang="en-US" altLang="zh-TW" b="0" dirty="0">
-                <a:solidFill>
-                  <a:srgbClr val="9CDCFE"/>
-                </a:solidFill>
-                <a:effectLst/>
-                <a:latin typeface="Consolas" panose="020B0609020204030204" pitchFamily="49" charset="0"/>
-              </a:rPr>
-              <a:t>target</a:t>
-            </a:r>
-            <a:r>
-              <a:rPr lang="en-US" altLang="zh-TW" b="0" dirty="0">
-                <a:solidFill>
-                  <a:srgbClr val="D4D4D4"/>
-                </a:solidFill>
-                <a:effectLst/>
-                <a:latin typeface="Consolas" panose="020B0609020204030204" pitchFamily="49" charset="0"/>
-              </a:rPr>
-              <a:t>=</a:t>
-            </a:r>
-            <a:r>
-              <a:rPr lang="en-US" altLang="zh-TW" b="0" dirty="0">
-                <a:solidFill>
-                  <a:srgbClr val="CE9178"/>
-                </a:solidFill>
-                <a:effectLst/>
-                <a:latin typeface="Consolas" panose="020B0609020204030204" pitchFamily="49" charset="0"/>
-              </a:rPr>
-              <a:t>"_blank"</a:t>
-            </a:r>
-            <a:r>
-              <a:rPr lang="en-US" altLang="zh-TW" b="0" dirty="0">
-                <a:solidFill>
-                  <a:srgbClr val="808080"/>
-                </a:solidFill>
-                <a:effectLst/>
-                <a:latin typeface="Consolas" panose="020B0609020204030204" pitchFamily="49" charset="0"/>
-              </a:rPr>
-              <a:t>&gt;&lt;</a:t>
-            </a:r>
-            <a:r>
-              <a:rPr lang="en-US" altLang="zh-TW" b="0" dirty="0" err="1">
-                <a:solidFill>
-                  <a:srgbClr val="569CD6"/>
-                </a:solidFill>
-                <a:effectLst/>
-                <a:latin typeface="Consolas" panose="020B0609020204030204" pitchFamily="49" charset="0"/>
-              </a:rPr>
-              <a:t>img</a:t>
-            </a:r>
-            <a:r>
-              <a:rPr lang="en-US" altLang="zh-TW" b="0" dirty="0">
-                <a:solidFill>
-                  <a:srgbClr val="D4D4D4"/>
-                </a:solidFill>
-                <a:effectLst/>
-                <a:latin typeface="Consolas" panose="020B0609020204030204" pitchFamily="49" charset="0"/>
-              </a:rPr>
-              <a:t> </a:t>
-            </a:r>
-            <a:r>
-              <a:rPr lang="en-US" altLang="zh-TW" b="0" dirty="0" err="1">
-                <a:solidFill>
-                  <a:srgbClr val="9CDCFE"/>
-                </a:solidFill>
-                <a:effectLst/>
-                <a:latin typeface="Consolas" panose="020B0609020204030204" pitchFamily="49" charset="0"/>
-              </a:rPr>
-              <a:t>src</a:t>
-            </a:r>
-            <a:r>
-              <a:rPr lang="en-US" altLang="zh-TW" b="0" dirty="0">
-                <a:solidFill>
-                  <a:srgbClr val="D4D4D4"/>
-                </a:solidFill>
-                <a:effectLst/>
-                <a:latin typeface="Consolas" panose="020B0609020204030204" pitchFamily="49" charset="0"/>
-              </a:rPr>
-              <a:t>=</a:t>
-            </a:r>
-            <a:r>
-              <a:rPr lang="en-US" altLang="zh-TW" b="0" dirty="0">
-                <a:solidFill>
-                  <a:srgbClr val="CE9178"/>
-                </a:solidFill>
-                <a:effectLst/>
-                <a:latin typeface="Consolas" panose="020B0609020204030204" pitchFamily="49" charset="0"/>
-              </a:rPr>
-              <a:t>"player1.jpg"</a:t>
-            </a:r>
-            <a:r>
-              <a:rPr lang="en-US" altLang="zh-TW" b="0" dirty="0">
-                <a:solidFill>
-                  <a:srgbClr val="D4D4D4"/>
-                </a:solidFill>
-                <a:effectLst/>
-                <a:latin typeface="Consolas" panose="020B0609020204030204" pitchFamily="49" charset="0"/>
-              </a:rPr>
-              <a:t> </a:t>
-            </a:r>
-            <a:r>
-              <a:rPr lang="en-US" altLang="zh-TW" b="0" dirty="0">
-                <a:solidFill>
-                  <a:srgbClr val="9CDCFE"/>
-                </a:solidFill>
-                <a:effectLst/>
-                <a:latin typeface="Consolas" panose="020B0609020204030204" pitchFamily="49" charset="0"/>
-              </a:rPr>
-              <a:t>onclick</a:t>
-            </a:r>
-            <a:r>
-              <a:rPr lang="en-US" altLang="zh-TW" b="0" dirty="0">
-                <a:solidFill>
-                  <a:srgbClr val="D4D4D4"/>
-                </a:solidFill>
-                <a:effectLst/>
-                <a:latin typeface="Consolas" panose="020B0609020204030204" pitchFamily="49" charset="0"/>
-              </a:rPr>
-              <a:t>=</a:t>
-            </a:r>
-            <a:r>
-              <a:rPr lang="en-US" altLang="zh-TW" b="0" dirty="0">
-                <a:solidFill>
-                  <a:srgbClr val="CE9178"/>
-                </a:solidFill>
-                <a:effectLst/>
-                <a:latin typeface="Consolas" panose="020B0609020204030204" pitchFamily="49" charset="0"/>
-              </a:rPr>
-              <a:t>"</a:t>
-            </a:r>
-            <a:r>
-              <a:rPr lang="en-US" altLang="zh-TW" b="0" dirty="0">
-                <a:solidFill>
-                  <a:srgbClr val="DCDCAA"/>
-                </a:solidFill>
-                <a:effectLst/>
-                <a:latin typeface="Consolas" panose="020B0609020204030204" pitchFamily="49" charset="0"/>
-              </a:rPr>
-              <a:t>player1click</a:t>
-            </a:r>
-            <a:r>
-              <a:rPr lang="en-US" altLang="zh-TW" b="0" dirty="0">
-                <a:solidFill>
-                  <a:srgbClr val="CE9178"/>
-                </a:solidFill>
-                <a:effectLst/>
-                <a:latin typeface="Consolas" panose="020B0609020204030204" pitchFamily="49" charset="0"/>
-              </a:rPr>
-              <a:t>()"</a:t>
-            </a:r>
-            <a:r>
-              <a:rPr lang="en-US" altLang="zh-TW" b="0" dirty="0">
-                <a:solidFill>
-                  <a:srgbClr val="808080"/>
-                </a:solidFill>
-                <a:effectLst/>
-                <a:latin typeface="Consolas" panose="020B0609020204030204" pitchFamily="49" charset="0"/>
-              </a:rPr>
-              <a:t>&gt;</a:t>
-            </a:r>
-          </a:p>
-          <a:p>
-            <a:r>
-              <a:rPr lang="en-US" altLang="zh-TW" b="0" dirty="0">
-                <a:solidFill>
-                  <a:srgbClr val="569CD6"/>
-                </a:solidFill>
-                <a:effectLst/>
-                <a:latin typeface="Consolas" panose="020B0609020204030204" pitchFamily="49" charset="0"/>
-              </a:rPr>
-              <a:t>function</a:t>
-            </a:r>
-            <a:r>
-              <a:rPr lang="en-US" altLang="zh-TW" b="0" dirty="0">
-                <a:solidFill>
-                  <a:srgbClr val="D4D4D4"/>
-                </a:solidFill>
-                <a:effectLst/>
-                <a:latin typeface="Consolas" panose="020B0609020204030204" pitchFamily="49" charset="0"/>
-              </a:rPr>
-              <a:t> </a:t>
-            </a:r>
-            <a:r>
-              <a:rPr lang="en-US" altLang="zh-TW" b="0" dirty="0">
-                <a:solidFill>
-                  <a:srgbClr val="DCDCAA"/>
-                </a:solidFill>
-                <a:effectLst/>
-                <a:latin typeface="Consolas" panose="020B0609020204030204" pitchFamily="49" charset="0"/>
-              </a:rPr>
-              <a:t>player1click</a:t>
-            </a:r>
-            <a:r>
-              <a:rPr lang="en-US" altLang="zh-TW" b="0" dirty="0">
-                <a:solidFill>
-                  <a:srgbClr val="D4D4D4"/>
-                </a:solidFill>
-                <a:effectLst/>
-                <a:latin typeface="Consolas" panose="020B0609020204030204" pitchFamily="49" charset="0"/>
-              </a:rPr>
-              <a:t>() {</a:t>
-            </a:r>
-          </a:p>
-          <a:p>
-            <a:r>
-              <a:rPr lang="zh-TW" altLang="en-US" b="0" dirty="0">
-                <a:solidFill>
-                  <a:srgbClr val="D4D4D4"/>
-                </a:solidFill>
-                <a:effectLst/>
-                <a:latin typeface="Consolas" panose="020B0609020204030204" pitchFamily="49" charset="0"/>
-              </a:rPr>
-              <a:t>　          </a:t>
-            </a:r>
-            <a:r>
-              <a:rPr lang="en-US" altLang="zh-TW" b="0" dirty="0">
-                <a:solidFill>
-                  <a:srgbClr val="DCDCAA"/>
-                </a:solidFill>
-                <a:effectLst/>
-                <a:latin typeface="Consolas" panose="020B0609020204030204" pitchFamily="49" charset="0"/>
-              </a:rPr>
-              <a:t>alert</a:t>
-            </a:r>
-            <a:r>
-              <a:rPr lang="en-US" altLang="zh-TW" b="0" dirty="0">
-                <a:solidFill>
-                  <a:srgbClr val="D4D4D4"/>
-                </a:solidFill>
-                <a:effectLst/>
-                <a:latin typeface="Consolas" panose="020B0609020204030204" pitchFamily="49" charset="0"/>
-              </a:rPr>
-              <a:t>(</a:t>
-            </a:r>
-            <a:r>
-              <a:rPr lang="en-US" altLang="zh-TW" b="0" dirty="0">
-                <a:solidFill>
-                  <a:srgbClr val="CE9178"/>
-                </a:solidFill>
-                <a:effectLst/>
-                <a:latin typeface="Consolas" panose="020B0609020204030204" pitchFamily="49" charset="0"/>
-              </a:rPr>
-              <a:t>“…”);}</a:t>
-            </a:r>
-            <a:endParaRPr lang="en-US" altLang="zh-TW" b="0" dirty="0">
-              <a:solidFill>
-                <a:srgbClr val="D4D4D4"/>
-              </a:solidFill>
-              <a:effectLst/>
-              <a:latin typeface="Consolas" panose="020B0609020204030204" pitchFamily="49" charset="0"/>
-            </a:endParaRPr>
-          </a:p>
-          <a:p>
-            <a:endParaRPr lang="en-US" altLang="zh-TW" b="0" dirty="0">
-              <a:solidFill>
-                <a:srgbClr val="D4D4D4"/>
-              </a:solidFill>
-              <a:effectLst/>
-              <a:latin typeface="Consolas" panose="020B0609020204030204" pitchFamily="49" charset="0"/>
-            </a:endParaRPr>
-          </a:p>
-          <a:p>
+              <a:rPr lang="en-US" altLang="zh-TW" dirty="0"/>
+              <a:t>WIKI:</a:t>
+            </a:r>
+          </a:p>
+          <a:p>
+            <a:pPr marL="0" indent="0">
+              <a:buNone/>
+            </a:pPr>
+            <a:r>
+              <a:rPr lang="en-US" altLang="zh-TW" dirty="0">
+                <a:hlinkClick r:id="rId2"/>
+              </a:rPr>
+              <a:t>https://zh.wikipedia.org/wiki/%E5%9C%A3%E5%AE%89%E4%B8%9C%E5%B0%BC%E5%A5%A5%E9%A9%AC%E5%88%BA</a:t>
+            </a:r>
+            <a:endParaRPr lang="en-US" altLang="zh-TW" dirty="0"/>
+          </a:p>
+          <a:p>
+            <a:pPr marL="0" indent="0">
+              <a:buNone/>
+            </a:pPr>
+            <a:endParaRPr lang="en-US" altLang="zh-TW" dirty="0"/>
+          </a:p>
+          <a:p>
+            <a:r>
+              <a:rPr lang="en-US" altLang="zh-TW" dirty="0"/>
+              <a:t>W3school:</a:t>
+            </a:r>
+          </a:p>
+          <a:p>
+            <a:pPr marL="0" indent="0">
+              <a:buNone/>
+            </a:pPr>
+            <a:r>
+              <a:rPr lang="en-US" altLang="zh-TW">
+                <a:hlinkClick r:id="rId3"/>
+              </a:rPr>
+              <a:t>https://www.w3schools.com</a:t>
+            </a:r>
+            <a:endParaRPr lang="en-US" altLang="zh-TW"/>
+          </a:p>
+          <a:p>
+            <a:pPr marL="0" indent="0">
+              <a:buNone/>
+            </a:pPr>
             <a:endParaRPr lang="zh-TW" altLang="en-US" dirty="0"/>
           </a:p>
         </p:txBody>
@@ -9823,7 +8388,7 @@
     </p:spTree>
     <p:extLst>
       <p:ext uri="{BB962C8B-B14F-4D97-AF65-F5344CB8AC3E}">
-        <p14:creationId xmlns:p14="http://schemas.microsoft.com/office/powerpoint/2010/main" val="2558353064"/>
+        <p14:creationId xmlns:p14="http://schemas.microsoft.com/office/powerpoint/2010/main" val="48176965"/>
       </p:ext>
     </p:extLst>
   </p:cSld>
